--- a/120 구매/107 지능형 드론 멘토링 HW 구매 목록 19년 5월 V1.0.pptx
+++ b/120 구매/107 지능형 드론 멘토링 HW 구매 목록 19년 5월 V1.0.pptx
@@ -5,7 +5,7 @@
     <p:sldMasterId id="2147483660" r:id="rId1"/>
   </p:sldMasterIdLst>
   <p:notesMasterIdLst>
-    <p:notesMasterId r:id="rId9"/>
+    <p:notesMasterId r:id="rId10"/>
   </p:notesMasterIdLst>
   <p:sldIdLst>
     <p:sldId id="256" r:id="rId2"/>
@@ -14,7 +14,8 @@
     <p:sldId id="657" r:id="rId5"/>
     <p:sldId id="659" r:id="rId6"/>
     <p:sldId id="651" r:id="rId7"/>
-    <p:sldId id="259" r:id="rId8"/>
+    <p:sldId id="660" r:id="rId8"/>
+    <p:sldId id="259" r:id="rId9"/>
   </p:sldIdLst>
   <p:sldSz cx="9906000" cy="6858000" type="A4"/>
   <p:notesSz cx="6858000" cy="9144000"/>
@@ -380,28 +381,20 @@
     </pc:docChg>
   </pc:docChgLst>
   <pc:docChgLst>
-    <pc:chgData name="sun above" userId="af778d66278731e4" providerId="LiveId" clId="{48FDF06A-E9C4-4F5B-A94E-8A6C8929FC7B}"/>
-    <pc:docChg chg="undo custSel addSld delSld modSld">
-      <pc:chgData name="sun above" userId="af778d66278731e4" providerId="LiveId" clId="{48FDF06A-E9C4-4F5B-A94E-8A6C8929FC7B}" dt="2019-04-16T15:21:53.099" v="2222" actId="404"/>
+    <pc:chgData name="sun above" userId="af778d66278731e4" providerId="LiveId" clId="{552B5A4A-72AE-459A-85B2-74401FBF69C3}"/>
+    <pc:docChg chg="undo redo custSel addSld delSld modSld sldOrd modMainMaster modNotesMaster">
+      <pc:chgData name="sun above" userId="af778d66278731e4" providerId="LiveId" clId="{552B5A4A-72AE-459A-85B2-74401FBF69C3}" dt="2019-04-13T21:48:19.293" v="26831" actId="14100"/>
       <pc:docMkLst>
         <pc:docMk/>
       </pc:docMkLst>
-      <pc:sldChg chg="modSp">
-        <pc:chgData name="sun above" userId="af778d66278731e4" providerId="LiveId" clId="{48FDF06A-E9C4-4F5B-A94E-8A6C8929FC7B}" dt="2019-04-16T14:57:36.040" v="1558" actId="20577"/>
+      <pc:sldChg chg="modSp modTransition">
+        <pc:chgData name="sun above" userId="af778d66278731e4" providerId="LiveId" clId="{552B5A4A-72AE-459A-85B2-74401FBF69C3}" dt="2019-04-08T20:23:31.865" v="26040"/>
         <pc:sldMkLst>
           <pc:docMk/>
           <pc:sldMk cId="425629047" sldId="256"/>
         </pc:sldMkLst>
         <pc:spChg chg="mod">
-          <ac:chgData name="sun above" userId="af778d66278731e4" providerId="LiveId" clId="{48FDF06A-E9C4-4F5B-A94E-8A6C8929FC7B}" dt="2019-04-16T14:57:36.040" v="1558" actId="20577"/>
-          <ac:spMkLst>
-            <pc:docMk/>
-            <pc:sldMk cId="425629047" sldId="256"/>
-            <ac:spMk id="2" creationId="{00000000-0000-0000-0000-000000000000}"/>
-          </ac:spMkLst>
-        </pc:spChg>
-        <pc:spChg chg="mod">
-          <ac:chgData name="sun above" userId="af778d66278731e4" providerId="LiveId" clId="{48FDF06A-E9C4-4F5B-A94E-8A6C8929FC7B}" dt="2019-04-16T14:57:20.582" v="1554" actId="27636"/>
+          <ac:chgData name="sun above" userId="af778d66278731e4" providerId="LiveId" clId="{552B5A4A-72AE-459A-85B2-74401FBF69C3}" dt="2019-04-07T09:54:12.406" v="25621" actId="27636"/>
           <ac:spMkLst>
             <pc:docMk/>
             <pc:sldMk cId="425629047" sldId="256"/>
@@ -409,115 +402,132 @@
           </ac:spMkLst>
         </pc:spChg>
       </pc:sldChg>
-      <pc:sldChg chg="addSp delSp modSp add">
-        <pc:chgData name="sun above" userId="af778d66278731e4" providerId="LiveId" clId="{48FDF06A-E9C4-4F5B-A94E-8A6C8929FC7B}" dt="2019-04-16T15:21:53.099" v="2222" actId="404"/>
+      <pc:sldChg chg="modTransition">
+        <pc:chgData name="sun above" userId="af778d66278731e4" providerId="LiveId" clId="{552B5A4A-72AE-459A-85B2-74401FBF69C3}" dt="2019-04-08T20:23:31.865" v="26040"/>
         <pc:sldMkLst>
           <pc:docMk/>
-          <pc:sldMk cId="2416363659" sldId="642"/>
+          <pc:sldMk cId="781218299" sldId="259"/>
         </pc:sldMkLst>
-        <pc:spChg chg="del">
-          <ac:chgData name="sun above" userId="af778d66278731e4" providerId="LiveId" clId="{48FDF06A-E9C4-4F5B-A94E-8A6C8929FC7B}" dt="2019-04-16T15:11:05.471" v="1874" actId="478"/>
-          <ac:spMkLst>
+      </pc:sldChg>
+      <pc:sldMasterChg chg="delSldLayout modSldLayout">
+        <pc:chgData name="sun above" userId="af778d66278731e4" providerId="LiveId" clId="{552B5A4A-72AE-459A-85B2-74401FBF69C3}" dt="2019-04-05T16:12:17.362" v="20697" actId="207"/>
+        <pc:sldMasterMkLst>
+          <pc:docMk/>
+          <pc:sldMasterMk cId="2298705161" sldId="2147483660"/>
+        </pc:sldMasterMkLst>
+        <pc:sldLayoutChg chg="addSp">
+          <pc:chgData name="sun above" userId="af778d66278731e4" providerId="LiveId" clId="{552B5A4A-72AE-459A-85B2-74401FBF69C3}" dt="2019-03-26T12:56:40.217" v="2575"/>
+          <pc:sldLayoutMkLst>
             <pc:docMk/>
-            <pc:sldMk cId="2416363659" sldId="642"/>
-            <ac:spMk id="3" creationId="{344831AB-5AF1-4630-891B-D2C6F72186CC}"/>
-          </ac:spMkLst>
-        </pc:spChg>
-        <pc:spChg chg="add mod">
-          <ac:chgData name="sun above" userId="af778d66278731e4" providerId="LiveId" clId="{48FDF06A-E9C4-4F5B-A94E-8A6C8929FC7B}" dt="2019-04-16T15:11:05.471" v="1874" actId="478"/>
-          <ac:spMkLst>
+            <pc:sldMasterMk cId="2298705161" sldId="2147483660"/>
+            <pc:sldLayoutMk cId="2954247916" sldId="2147483662"/>
+          </pc:sldLayoutMkLst>
+          <pc:cxnChg chg="add">
+            <ac:chgData name="sun above" userId="af778d66278731e4" providerId="LiveId" clId="{552B5A4A-72AE-459A-85B2-74401FBF69C3}" dt="2019-03-26T12:56:40.217" v="2575"/>
+            <ac:cxnSpMkLst>
+              <pc:docMk/>
+              <pc:sldMasterMk cId="2298705161" sldId="2147483660"/>
+              <pc:sldLayoutMk cId="2954247916" sldId="2147483662"/>
+              <ac:cxnSpMk id="7" creationId="{9EEBE938-AE8F-479C-A40B-7DE6CC0AE479}"/>
+            </ac:cxnSpMkLst>
+          </pc:cxnChg>
+        </pc:sldLayoutChg>
+        <pc:sldLayoutChg chg="addSp modSp">
+          <pc:chgData name="sun above" userId="af778d66278731e4" providerId="LiveId" clId="{552B5A4A-72AE-459A-85B2-74401FBF69C3}" dt="2019-03-26T12:57:17.866" v="2581" actId="1076"/>
+          <pc:sldLayoutMkLst>
             <pc:docMk/>
-            <pc:sldMk cId="2416363659" sldId="642"/>
-            <ac:spMk id="8" creationId="{E59D11BB-FCE0-447F-BC76-5E788CAA8529}"/>
-          </ac:spMkLst>
-        </pc:spChg>
-        <pc:graphicFrameChg chg="mod modGraphic">
-          <ac:chgData name="sun above" userId="af778d66278731e4" providerId="LiveId" clId="{48FDF06A-E9C4-4F5B-A94E-8A6C8929FC7B}" dt="2019-04-16T15:21:53.099" v="2222" actId="404"/>
-          <ac:graphicFrameMkLst>
+            <pc:sldMasterMk cId="2298705161" sldId="2147483660"/>
+            <pc:sldLayoutMk cId="2716675863" sldId="2147483663"/>
+          </pc:sldLayoutMkLst>
+          <pc:cxnChg chg="add mod">
+            <ac:chgData name="sun above" userId="af778d66278731e4" providerId="LiveId" clId="{552B5A4A-72AE-459A-85B2-74401FBF69C3}" dt="2019-03-26T12:57:17.866" v="2581" actId="1076"/>
+            <ac:cxnSpMkLst>
+              <pc:docMk/>
+              <pc:sldMasterMk cId="2298705161" sldId="2147483660"/>
+              <pc:sldLayoutMk cId="2716675863" sldId="2147483663"/>
+              <ac:cxnSpMk id="7" creationId="{9B5A1020-C5BA-46DA-ADE9-6F967CF0AABE}"/>
+            </ac:cxnSpMkLst>
+          </pc:cxnChg>
+        </pc:sldLayoutChg>
+        <pc:sldLayoutChg chg="addSp modSp">
+          <pc:chgData name="sun above" userId="af778d66278731e4" providerId="LiveId" clId="{552B5A4A-72AE-459A-85B2-74401FBF69C3}" dt="2019-04-04T04:47:43.129" v="12924"/>
+          <pc:sldLayoutMkLst>
             <pc:docMk/>
-            <pc:sldMk cId="2416363659" sldId="642"/>
-            <ac:graphicFrameMk id="9" creationId="{B04D2401-C8CE-4774-B4D7-87224C0CCB10}"/>
-          </ac:graphicFrameMkLst>
-        </pc:graphicFrameChg>
-      </pc:sldChg>
-    </pc:docChg>
-  </pc:docChgLst>
-  <pc:docChgLst>
-    <pc:chgData name="sun above" userId="af778d66278731e4" providerId="LiveId" clId="{D0A4C308-D7F4-4118-879D-3D5E65AD4D8A}"/>
-    <pc:docChg chg="undo custSel addSld modSld sldOrd">
-      <pc:chgData name="sun above" userId="af778d66278731e4" providerId="LiveId" clId="{D0A4C308-D7F4-4118-879D-3D5E65AD4D8A}" dt="2019-04-17T23:50:34.490" v="324" actId="1076"/>
-      <pc:docMkLst>
-        <pc:docMk/>
-      </pc:docMkLst>
-      <pc:sldChg chg="modSp">
-        <pc:chgData name="sun above" userId="af778d66278731e4" providerId="LiveId" clId="{D0A4C308-D7F4-4118-879D-3D5E65AD4D8A}" dt="2019-04-17T23:24:58.703" v="18"/>
-        <pc:sldMkLst>
-          <pc:docMk/>
-          <pc:sldMk cId="425629047" sldId="256"/>
-        </pc:sldMkLst>
-        <pc:spChg chg="mod">
-          <ac:chgData name="sun above" userId="af778d66278731e4" providerId="LiveId" clId="{D0A4C308-D7F4-4118-879D-3D5E65AD4D8A}" dt="2019-04-17T23:24:58.703" v="18"/>
-          <ac:spMkLst>
+            <pc:sldMasterMk cId="2298705161" sldId="2147483660"/>
+            <pc:sldLayoutMk cId="220479327" sldId="2147483664"/>
+          </pc:sldLayoutMkLst>
+          <pc:spChg chg="mod">
+            <ac:chgData name="sun above" userId="af778d66278731e4" providerId="LiveId" clId="{552B5A4A-72AE-459A-85B2-74401FBF69C3}" dt="2019-04-04T04:47:29.020" v="12922" actId="14100"/>
+            <ac:spMkLst>
+              <pc:docMk/>
+              <pc:sldMasterMk cId="2298705161" sldId="2147483660"/>
+              <pc:sldLayoutMk cId="220479327" sldId="2147483664"/>
+              <ac:spMk id="3" creationId="{00000000-0000-0000-0000-000000000000}"/>
+            </ac:spMkLst>
+          </pc:spChg>
+          <pc:spChg chg="mod">
+            <ac:chgData name="sun above" userId="af778d66278731e4" providerId="LiveId" clId="{552B5A4A-72AE-459A-85B2-74401FBF69C3}" dt="2019-04-04T04:47:32.952" v="12923" actId="14100"/>
+            <ac:spMkLst>
+              <pc:docMk/>
+              <pc:sldMasterMk cId="2298705161" sldId="2147483660"/>
+              <pc:sldLayoutMk cId="220479327" sldId="2147483664"/>
+              <ac:spMk id="4" creationId="{00000000-0000-0000-0000-000000000000}"/>
+            </ac:spMkLst>
+          </pc:spChg>
+          <pc:cxnChg chg="add">
+            <ac:chgData name="sun above" userId="af778d66278731e4" providerId="LiveId" clId="{552B5A4A-72AE-459A-85B2-74401FBF69C3}" dt="2019-04-04T04:47:43.129" v="12924"/>
+            <ac:cxnSpMkLst>
+              <pc:docMk/>
+              <pc:sldMasterMk cId="2298705161" sldId="2147483660"/>
+              <pc:sldLayoutMk cId="220479327" sldId="2147483664"/>
+              <ac:cxnSpMk id="8" creationId="{79F398D1-CD94-4309-AE7E-D0AA0185D19A}"/>
+            </ac:cxnSpMkLst>
+          </pc:cxnChg>
+        </pc:sldLayoutChg>
+        <pc:sldLayoutChg chg="addSp">
+          <pc:chgData name="sun above" userId="af778d66278731e4" providerId="LiveId" clId="{552B5A4A-72AE-459A-85B2-74401FBF69C3}" dt="2019-03-26T13:05:38.684" v="2877"/>
+          <pc:sldLayoutMkLst>
             <pc:docMk/>
-            <pc:sldMk cId="425629047" sldId="256"/>
-            <ac:spMk id="2" creationId="{00000000-0000-0000-0000-000000000000}"/>
-          </ac:spMkLst>
-        </pc:spChg>
-      </pc:sldChg>
-      <pc:sldChg chg="modSp">
-        <pc:chgData name="sun above" userId="af778d66278731e4" providerId="LiveId" clId="{D0A4C308-D7F4-4118-879D-3D5E65AD4D8A}" dt="2019-04-17T23:37:55.792" v="181" actId="6549"/>
-        <pc:sldMkLst>
-          <pc:docMk/>
-          <pc:sldMk cId="2416363659" sldId="642"/>
-        </pc:sldMkLst>
-        <pc:graphicFrameChg chg="modGraphic">
-          <ac:chgData name="sun above" userId="af778d66278731e4" providerId="LiveId" clId="{D0A4C308-D7F4-4118-879D-3D5E65AD4D8A}" dt="2019-04-17T23:37:55.792" v="181" actId="6549"/>
-          <ac:graphicFrameMkLst>
+            <pc:sldMasterMk cId="2298705161" sldId="2147483660"/>
+            <pc:sldLayoutMk cId="1290498925" sldId="2147483666"/>
+          </pc:sldLayoutMkLst>
+          <pc:cxnChg chg="add">
+            <ac:chgData name="sun above" userId="af778d66278731e4" providerId="LiveId" clId="{552B5A4A-72AE-459A-85B2-74401FBF69C3}" dt="2019-03-26T13:05:38.684" v="2877"/>
+            <ac:cxnSpMkLst>
+              <pc:docMk/>
+              <pc:sldMasterMk cId="2298705161" sldId="2147483660"/>
+              <pc:sldLayoutMk cId="1290498925" sldId="2147483666"/>
+              <ac:cxnSpMk id="6" creationId="{518D6A25-815E-4725-BD14-51ED8BC9BD9F}"/>
+            </ac:cxnSpMkLst>
+          </pc:cxnChg>
+        </pc:sldLayoutChg>
+        <pc:sldLayoutChg chg="modSp">
+          <pc:chgData name="sun above" userId="af778d66278731e4" providerId="LiveId" clId="{552B5A4A-72AE-459A-85B2-74401FBF69C3}" dt="2019-04-05T16:12:17.362" v="20697" actId="207"/>
+          <pc:sldLayoutMkLst>
             <pc:docMk/>
-            <pc:sldMk cId="2416363659" sldId="642"/>
-            <ac:graphicFrameMk id="9" creationId="{B04D2401-C8CE-4774-B4D7-87224C0CCB10}"/>
-          </ac:graphicFrameMkLst>
-        </pc:graphicFrameChg>
-      </pc:sldChg>
-      <pc:sldChg chg="addSp delSp modSp add">
-        <pc:chgData name="sun above" userId="af778d66278731e4" providerId="LiveId" clId="{D0A4C308-D7F4-4118-879D-3D5E65AD4D8A}" dt="2019-04-17T23:50:34.490" v="324" actId="1076"/>
-        <pc:sldMkLst>
-          <pc:docMk/>
-          <pc:sldMk cId="406724424" sldId="645"/>
-        </pc:sldMkLst>
-        <pc:spChg chg="mod">
-          <ac:chgData name="sun above" userId="af778d66278731e4" providerId="LiveId" clId="{D0A4C308-D7F4-4118-879D-3D5E65AD4D8A}" dt="2019-04-17T23:50:23.958" v="321" actId="20577"/>
-          <ac:spMkLst>
-            <pc:docMk/>
-            <pc:sldMk cId="406724424" sldId="645"/>
-            <ac:spMk id="2" creationId="{6D8A0E0B-D587-4725-9469-61967B3909DE}"/>
-          </ac:spMkLst>
-        </pc:spChg>
-        <pc:spChg chg="mod">
-          <ac:chgData name="sun above" userId="af778d66278731e4" providerId="LiveId" clId="{D0A4C308-D7F4-4118-879D-3D5E65AD4D8A}" dt="2019-04-17T23:48:59.487" v="301" actId="27636"/>
-          <ac:spMkLst>
-            <pc:docMk/>
-            <pc:sldMk cId="406724424" sldId="645"/>
-            <ac:spMk id="3" creationId="{DA360D45-D423-49E2-990A-2415FF293052}"/>
-          </ac:spMkLst>
-        </pc:spChg>
-        <pc:picChg chg="add mod">
-          <ac:chgData name="sun above" userId="af778d66278731e4" providerId="LiveId" clId="{D0A4C308-D7F4-4118-879D-3D5E65AD4D8A}" dt="2019-04-17T23:50:34.490" v="324" actId="1076"/>
-          <ac:picMkLst>
-            <pc:docMk/>
-            <pc:sldMk cId="406724424" sldId="645"/>
-            <ac:picMk id="7" creationId="{F074EABF-4526-4C99-B2EB-93BCD295D399}"/>
-          </ac:picMkLst>
-        </pc:picChg>
-        <pc:picChg chg="add del">
-          <ac:chgData name="sun above" userId="af778d66278731e4" providerId="LiveId" clId="{D0A4C308-D7F4-4118-879D-3D5E65AD4D8A}" dt="2019-04-17T23:39:16.486" v="184"/>
-          <ac:picMkLst>
-            <pc:docMk/>
-            <pc:sldMk cId="406724424" sldId="645"/>
-            <ac:picMk id="2050" creationId="{82C1CD9D-A65C-4BF4-BC96-1C613B1881E0}"/>
-          </ac:picMkLst>
-        </pc:picChg>
-      </pc:sldChg>
+            <pc:sldMasterMk cId="2298705161" sldId="2147483660"/>
+            <pc:sldLayoutMk cId="2209490456" sldId="2147483673"/>
+          </pc:sldLayoutMkLst>
+          <pc:spChg chg="mod">
+            <ac:chgData name="sun above" userId="af778d66278731e4" providerId="LiveId" clId="{552B5A4A-72AE-459A-85B2-74401FBF69C3}" dt="2019-04-05T15:38:54.998" v="19488" actId="179"/>
+            <ac:spMkLst>
+              <pc:docMk/>
+              <pc:sldMasterMk cId="2298705161" sldId="2147483660"/>
+              <pc:sldLayoutMk cId="2209490456" sldId="2147483673"/>
+              <ac:spMk id="3" creationId="{00000000-0000-0000-0000-000000000000}"/>
+            </ac:spMkLst>
+          </pc:spChg>
+          <pc:spChg chg="mod">
+            <ac:chgData name="sun above" userId="af778d66278731e4" providerId="LiveId" clId="{552B5A4A-72AE-459A-85B2-74401FBF69C3}" dt="2019-04-05T16:12:17.362" v="20697" actId="207"/>
+            <ac:spMkLst>
+              <pc:docMk/>
+              <pc:sldMasterMk cId="2298705161" sldId="2147483660"/>
+              <pc:sldLayoutMk cId="2209490456" sldId="2147483673"/>
+              <ac:spMk id="4" creationId="{00000000-0000-0000-0000-000000000000}"/>
+            </ac:spMkLst>
+          </pc:spChg>
+        </pc:sldLayoutChg>
+      </pc:sldMasterChg>
     </pc:docChg>
   </pc:docChgLst>
   <pc:docChgLst>
@@ -699,20 +709,28 @@
     </pc:docChg>
   </pc:docChgLst>
   <pc:docChgLst>
-    <pc:chgData name="sun above" userId="af778d66278731e4" providerId="LiveId" clId="{552B5A4A-72AE-459A-85B2-74401FBF69C3}"/>
-    <pc:docChg chg="undo redo custSel addSld delSld modSld sldOrd modMainMaster modNotesMaster">
-      <pc:chgData name="sun above" userId="af778d66278731e4" providerId="LiveId" clId="{552B5A4A-72AE-459A-85B2-74401FBF69C3}" dt="2019-04-13T21:48:19.293" v="26831" actId="14100"/>
+    <pc:chgData name="sun above" userId="af778d66278731e4" providerId="LiveId" clId="{48FDF06A-E9C4-4F5B-A94E-8A6C8929FC7B}"/>
+    <pc:docChg chg="undo custSel addSld delSld modSld">
+      <pc:chgData name="sun above" userId="af778d66278731e4" providerId="LiveId" clId="{48FDF06A-E9C4-4F5B-A94E-8A6C8929FC7B}" dt="2019-04-16T15:21:53.099" v="2222" actId="404"/>
       <pc:docMkLst>
         <pc:docMk/>
       </pc:docMkLst>
-      <pc:sldChg chg="modSp modTransition">
-        <pc:chgData name="sun above" userId="af778d66278731e4" providerId="LiveId" clId="{552B5A4A-72AE-459A-85B2-74401FBF69C3}" dt="2019-04-08T20:23:31.865" v="26040"/>
+      <pc:sldChg chg="modSp">
+        <pc:chgData name="sun above" userId="af778d66278731e4" providerId="LiveId" clId="{48FDF06A-E9C4-4F5B-A94E-8A6C8929FC7B}" dt="2019-04-16T14:57:36.040" v="1558" actId="20577"/>
         <pc:sldMkLst>
           <pc:docMk/>
           <pc:sldMk cId="425629047" sldId="256"/>
         </pc:sldMkLst>
         <pc:spChg chg="mod">
-          <ac:chgData name="sun above" userId="af778d66278731e4" providerId="LiveId" clId="{552B5A4A-72AE-459A-85B2-74401FBF69C3}" dt="2019-04-07T09:54:12.406" v="25621" actId="27636"/>
+          <ac:chgData name="sun above" userId="af778d66278731e4" providerId="LiveId" clId="{48FDF06A-E9C4-4F5B-A94E-8A6C8929FC7B}" dt="2019-04-16T14:57:36.040" v="1558" actId="20577"/>
+          <ac:spMkLst>
+            <pc:docMk/>
+            <pc:sldMk cId="425629047" sldId="256"/>
+            <ac:spMk id="2" creationId="{00000000-0000-0000-0000-000000000000}"/>
+          </ac:spMkLst>
+        </pc:spChg>
+        <pc:spChg chg="mod">
+          <ac:chgData name="sun above" userId="af778d66278731e4" providerId="LiveId" clId="{48FDF06A-E9C4-4F5B-A94E-8A6C8929FC7B}" dt="2019-04-16T14:57:20.582" v="1554" actId="27636"/>
           <ac:spMkLst>
             <pc:docMk/>
             <pc:sldMk cId="425629047" sldId="256"/>
@@ -720,132 +738,115 @@
           </ac:spMkLst>
         </pc:spChg>
       </pc:sldChg>
-      <pc:sldChg chg="modTransition">
-        <pc:chgData name="sun above" userId="af778d66278731e4" providerId="LiveId" clId="{552B5A4A-72AE-459A-85B2-74401FBF69C3}" dt="2019-04-08T20:23:31.865" v="26040"/>
+      <pc:sldChg chg="addSp delSp modSp add">
+        <pc:chgData name="sun above" userId="af778d66278731e4" providerId="LiveId" clId="{48FDF06A-E9C4-4F5B-A94E-8A6C8929FC7B}" dt="2019-04-16T15:21:53.099" v="2222" actId="404"/>
         <pc:sldMkLst>
           <pc:docMk/>
-          <pc:sldMk cId="781218299" sldId="259"/>
+          <pc:sldMk cId="2416363659" sldId="642"/>
         </pc:sldMkLst>
+        <pc:spChg chg="del">
+          <ac:chgData name="sun above" userId="af778d66278731e4" providerId="LiveId" clId="{48FDF06A-E9C4-4F5B-A94E-8A6C8929FC7B}" dt="2019-04-16T15:11:05.471" v="1874" actId="478"/>
+          <ac:spMkLst>
+            <pc:docMk/>
+            <pc:sldMk cId="2416363659" sldId="642"/>
+            <ac:spMk id="3" creationId="{344831AB-5AF1-4630-891B-D2C6F72186CC}"/>
+          </ac:spMkLst>
+        </pc:spChg>
+        <pc:spChg chg="add mod">
+          <ac:chgData name="sun above" userId="af778d66278731e4" providerId="LiveId" clId="{48FDF06A-E9C4-4F5B-A94E-8A6C8929FC7B}" dt="2019-04-16T15:11:05.471" v="1874" actId="478"/>
+          <ac:spMkLst>
+            <pc:docMk/>
+            <pc:sldMk cId="2416363659" sldId="642"/>
+            <ac:spMk id="8" creationId="{E59D11BB-FCE0-447F-BC76-5E788CAA8529}"/>
+          </ac:spMkLst>
+        </pc:spChg>
+        <pc:graphicFrameChg chg="mod modGraphic">
+          <ac:chgData name="sun above" userId="af778d66278731e4" providerId="LiveId" clId="{48FDF06A-E9C4-4F5B-A94E-8A6C8929FC7B}" dt="2019-04-16T15:21:53.099" v="2222" actId="404"/>
+          <ac:graphicFrameMkLst>
+            <pc:docMk/>
+            <pc:sldMk cId="2416363659" sldId="642"/>
+            <ac:graphicFrameMk id="9" creationId="{B04D2401-C8CE-4774-B4D7-87224C0CCB10}"/>
+          </ac:graphicFrameMkLst>
+        </pc:graphicFrameChg>
       </pc:sldChg>
-      <pc:sldMasterChg chg="delSldLayout modSldLayout">
-        <pc:chgData name="sun above" userId="af778d66278731e4" providerId="LiveId" clId="{552B5A4A-72AE-459A-85B2-74401FBF69C3}" dt="2019-04-05T16:12:17.362" v="20697" actId="207"/>
-        <pc:sldMasterMkLst>
+    </pc:docChg>
+  </pc:docChgLst>
+  <pc:docChgLst>
+    <pc:chgData name="sun above" userId="af778d66278731e4" providerId="LiveId" clId="{D0A4C308-D7F4-4118-879D-3D5E65AD4D8A}"/>
+    <pc:docChg chg="undo custSel addSld modSld sldOrd">
+      <pc:chgData name="sun above" userId="af778d66278731e4" providerId="LiveId" clId="{D0A4C308-D7F4-4118-879D-3D5E65AD4D8A}" dt="2019-04-17T23:50:34.490" v="324" actId="1076"/>
+      <pc:docMkLst>
+        <pc:docMk/>
+      </pc:docMkLst>
+      <pc:sldChg chg="modSp">
+        <pc:chgData name="sun above" userId="af778d66278731e4" providerId="LiveId" clId="{D0A4C308-D7F4-4118-879D-3D5E65AD4D8A}" dt="2019-04-17T23:24:58.703" v="18"/>
+        <pc:sldMkLst>
           <pc:docMk/>
-          <pc:sldMasterMk cId="2298705161" sldId="2147483660"/>
-        </pc:sldMasterMkLst>
-        <pc:sldLayoutChg chg="addSp">
-          <pc:chgData name="sun above" userId="af778d66278731e4" providerId="LiveId" clId="{552B5A4A-72AE-459A-85B2-74401FBF69C3}" dt="2019-03-26T12:56:40.217" v="2575"/>
-          <pc:sldLayoutMkLst>
+          <pc:sldMk cId="425629047" sldId="256"/>
+        </pc:sldMkLst>
+        <pc:spChg chg="mod">
+          <ac:chgData name="sun above" userId="af778d66278731e4" providerId="LiveId" clId="{D0A4C308-D7F4-4118-879D-3D5E65AD4D8A}" dt="2019-04-17T23:24:58.703" v="18"/>
+          <ac:spMkLst>
             <pc:docMk/>
-            <pc:sldMasterMk cId="2298705161" sldId="2147483660"/>
-            <pc:sldLayoutMk cId="2954247916" sldId="2147483662"/>
-          </pc:sldLayoutMkLst>
-          <pc:cxnChg chg="add">
-            <ac:chgData name="sun above" userId="af778d66278731e4" providerId="LiveId" clId="{552B5A4A-72AE-459A-85B2-74401FBF69C3}" dt="2019-03-26T12:56:40.217" v="2575"/>
-            <ac:cxnSpMkLst>
-              <pc:docMk/>
-              <pc:sldMasterMk cId="2298705161" sldId="2147483660"/>
-              <pc:sldLayoutMk cId="2954247916" sldId="2147483662"/>
-              <ac:cxnSpMk id="7" creationId="{9EEBE938-AE8F-479C-A40B-7DE6CC0AE479}"/>
-            </ac:cxnSpMkLst>
-          </pc:cxnChg>
-        </pc:sldLayoutChg>
-        <pc:sldLayoutChg chg="addSp modSp">
-          <pc:chgData name="sun above" userId="af778d66278731e4" providerId="LiveId" clId="{552B5A4A-72AE-459A-85B2-74401FBF69C3}" dt="2019-03-26T12:57:17.866" v="2581" actId="1076"/>
-          <pc:sldLayoutMkLst>
+            <pc:sldMk cId="425629047" sldId="256"/>
+            <ac:spMk id="2" creationId="{00000000-0000-0000-0000-000000000000}"/>
+          </ac:spMkLst>
+        </pc:spChg>
+      </pc:sldChg>
+      <pc:sldChg chg="modSp">
+        <pc:chgData name="sun above" userId="af778d66278731e4" providerId="LiveId" clId="{D0A4C308-D7F4-4118-879D-3D5E65AD4D8A}" dt="2019-04-17T23:37:55.792" v="181" actId="6549"/>
+        <pc:sldMkLst>
+          <pc:docMk/>
+          <pc:sldMk cId="2416363659" sldId="642"/>
+        </pc:sldMkLst>
+        <pc:graphicFrameChg chg="modGraphic">
+          <ac:chgData name="sun above" userId="af778d66278731e4" providerId="LiveId" clId="{D0A4C308-D7F4-4118-879D-3D5E65AD4D8A}" dt="2019-04-17T23:37:55.792" v="181" actId="6549"/>
+          <ac:graphicFrameMkLst>
             <pc:docMk/>
-            <pc:sldMasterMk cId="2298705161" sldId="2147483660"/>
-            <pc:sldLayoutMk cId="2716675863" sldId="2147483663"/>
-          </pc:sldLayoutMkLst>
-          <pc:cxnChg chg="add mod">
-            <ac:chgData name="sun above" userId="af778d66278731e4" providerId="LiveId" clId="{552B5A4A-72AE-459A-85B2-74401FBF69C3}" dt="2019-03-26T12:57:17.866" v="2581" actId="1076"/>
-            <ac:cxnSpMkLst>
-              <pc:docMk/>
-              <pc:sldMasterMk cId="2298705161" sldId="2147483660"/>
-              <pc:sldLayoutMk cId="2716675863" sldId="2147483663"/>
-              <ac:cxnSpMk id="7" creationId="{9B5A1020-C5BA-46DA-ADE9-6F967CF0AABE}"/>
-            </ac:cxnSpMkLst>
-          </pc:cxnChg>
-        </pc:sldLayoutChg>
-        <pc:sldLayoutChg chg="addSp modSp">
-          <pc:chgData name="sun above" userId="af778d66278731e4" providerId="LiveId" clId="{552B5A4A-72AE-459A-85B2-74401FBF69C3}" dt="2019-04-04T04:47:43.129" v="12924"/>
-          <pc:sldLayoutMkLst>
+            <pc:sldMk cId="2416363659" sldId="642"/>
+            <ac:graphicFrameMk id="9" creationId="{B04D2401-C8CE-4774-B4D7-87224C0CCB10}"/>
+          </ac:graphicFrameMkLst>
+        </pc:graphicFrameChg>
+      </pc:sldChg>
+      <pc:sldChg chg="addSp delSp modSp add">
+        <pc:chgData name="sun above" userId="af778d66278731e4" providerId="LiveId" clId="{D0A4C308-D7F4-4118-879D-3D5E65AD4D8A}" dt="2019-04-17T23:50:34.490" v="324" actId="1076"/>
+        <pc:sldMkLst>
+          <pc:docMk/>
+          <pc:sldMk cId="406724424" sldId="645"/>
+        </pc:sldMkLst>
+        <pc:spChg chg="mod">
+          <ac:chgData name="sun above" userId="af778d66278731e4" providerId="LiveId" clId="{D0A4C308-D7F4-4118-879D-3D5E65AD4D8A}" dt="2019-04-17T23:50:23.958" v="321" actId="20577"/>
+          <ac:spMkLst>
             <pc:docMk/>
-            <pc:sldMasterMk cId="2298705161" sldId="2147483660"/>
-            <pc:sldLayoutMk cId="220479327" sldId="2147483664"/>
-          </pc:sldLayoutMkLst>
-          <pc:spChg chg="mod">
-            <ac:chgData name="sun above" userId="af778d66278731e4" providerId="LiveId" clId="{552B5A4A-72AE-459A-85B2-74401FBF69C3}" dt="2019-04-04T04:47:29.020" v="12922" actId="14100"/>
-            <ac:spMkLst>
-              <pc:docMk/>
-              <pc:sldMasterMk cId="2298705161" sldId="2147483660"/>
-              <pc:sldLayoutMk cId="220479327" sldId="2147483664"/>
-              <ac:spMk id="3" creationId="{00000000-0000-0000-0000-000000000000}"/>
-            </ac:spMkLst>
-          </pc:spChg>
-          <pc:spChg chg="mod">
-            <ac:chgData name="sun above" userId="af778d66278731e4" providerId="LiveId" clId="{552B5A4A-72AE-459A-85B2-74401FBF69C3}" dt="2019-04-04T04:47:32.952" v="12923" actId="14100"/>
-            <ac:spMkLst>
-              <pc:docMk/>
-              <pc:sldMasterMk cId="2298705161" sldId="2147483660"/>
-              <pc:sldLayoutMk cId="220479327" sldId="2147483664"/>
-              <ac:spMk id="4" creationId="{00000000-0000-0000-0000-000000000000}"/>
-            </ac:spMkLst>
-          </pc:spChg>
-          <pc:cxnChg chg="add">
-            <ac:chgData name="sun above" userId="af778d66278731e4" providerId="LiveId" clId="{552B5A4A-72AE-459A-85B2-74401FBF69C3}" dt="2019-04-04T04:47:43.129" v="12924"/>
-            <ac:cxnSpMkLst>
-              <pc:docMk/>
-              <pc:sldMasterMk cId="2298705161" sldId="2147483660"/>
-              <pc:sldLayoutMk cId="220479327" sldId="2147483664"/>
-              <ac:cxnSpMk id="8" creationId="{79F398D1-CD94-4309-AE7E-D0AA0185D19A}"/>
-            </ac:cxnSpMkLst>
-          </pc:cxnChg>
-        </pc:sldLayoutChg>
-        <pc:sldLayoutChg chg="addSp">
-          <pc:chgData name="sun above" userId="af778d66278731e4" providerId="LiveId" clId="{552B5A4A-72AE-459A-85B2-74401FBF69C3}" dt="2019-03-26T13:05:38.684" v="2877"/>
-          <pc:sldLayoutMkLst>
+            <pc:sldMk cId="406724424" sldId="645"/>
+            <ac:spMk id="2" creationId="{6D8A0E0B-D587-4725-9469-61967B3909DE}"/>
+          </ac:spMkLst>
+        </pc:spChg>
+        <pc:spChg chg="mod">
+          <ac:chgData name="sun above" userId="af778d66278731e4" providerId="LiveId" clId="{D0A4C308-D7F4-4118-879D-3D5E65AD4D8A}" dt="2019-04-17T23:48:59.487" v="301" actId="27636"/>
+          <ac:spMkLst>
             <pc:docMk/>
-            <pc:sldMasterMk cId="2298705161" sldId="2147483660"/>
-            <pc:sldLayoutMk cId="1290498925" sldId="2147483666"/>
-          </pc:sldLayoutMkLst>
-          <pc:cxnChg chg="add">
-            <ac:chgData name="sun above" userId="af778d66278731e4" providerId="LiveId" clId="{552B5A4A-72AE-459A-85B2-74401FBF69C3}" dt="2019-03-26T13:05:38.684" v="2877"/>
-            <ac:cxnSpMkLst>
-              <pc:docMk/>
-              <pc:sldMasterMk cId="2298705161" sldId="2147483660"/>
-              <pc:sldLayoutMk cId="1290498925" sldId="2147483666"/>
-              <ac:cxnSpMk id="6" creationId="{518D6A25-815E-4725-BD14-51ED8BC9BD9F}"/>
-            </ac:cxnSpMkLst>
-          </pc:cxnChg>
-        </pc:sldLayoutChg>
-        <pc:sldLayoutChg chg="modSp">
-          <pc:chgData name="sun above" userId="af778d66278731e4" providerId="LiveId" clId="{552B5A4A-72AE-459A-85B2-74401FBF69C3}" dt="2019-04-05T16:12:17.362" v="20697" actId="207"/>
-          <pc:sldLayoutMkLst>
+            <pc:sldMk cId="406724424" sldId="645"/>
+            <ac:spMk id="3" creationId="{DA360D45-D423-49E2-990A-2415FF293052}"/>
+          </ac:spMkLst>
+        </pc:spChg>
+        <pc:picChg chg="add mod">
+          <ac:chgData name="sun above" userId="af778d66278731e4" providerId="LiveId" clId="{D0A4C308-D7F4-4118-879D-3D5E65AD4D8A}" dt="2019-04-17T23:50:34.490" v="324" actId="1076"/>
+          <ac:picMkLst>
             <pc:docMk/>
-            <pc:sldMasterMk cId="2298705161" sldId="2147483660"/>
-            <pc:sldLayoutMk cId="2209490456" sldId="2147483673"/>
-          </pc:sldLayoutMkLst>
-          <pc:spChg chg="mod">
-            <ac:chgData name="sun above" userId="af778d66278731e4" providerId="LiveId" clId="{552B5A4A-72AE-459A-85B2-74401FBF69C3}" dt="2019-04-05T15:38:54.998" v="19488" actId="179"/>
-            <ac:spMkLst>
-              <pc:docMk/>
-              <pc:sldMasterMk cId="2298705161" sldId="2147483660"/>
-              <pc:sldLayoutMk cId="2209490456" sldId="2147483673"/>
-              <ac:spMk id="3" creationId="{00000000-0000-0000-0000-000000000000}"/>
-            </ac:spMkLst>
-          </pc:spChg>
-          <pc:spChg chg="mod">
-            <ac:chgData name="sun above" userId="af778d66278731e4" providerId="LiveId" clId="{552B5A4A-72AE-459A-85B2-74401FBF69C3}" dt="2019-04-05T16:12:17.362" v="20697" actId="207"/>
-            <ac:spMkLst>
-              <pc:docMk/>
-              <pc:sldMasterMk cId="2298705161" sldId="2147483660"/>
-              <pc:sldLayoutMk cId="2209490456" sldId="2147483673"/>
-              <ac:spMk id="4" creationId="{00000000-0000-0000-0000-000000000000}"/>
-            </ac:spMkLst>
-          </pc:spChg>
-        </pc:sldLayoutChg>
-      </pc:sldMasterChg>
+            <pc:sldMk cId="406724424" sldId="645"/>
+            <ac:picMk id="7" creationId="{F074EABF-4526-4C99-B2EB-93BCD295D399}"/>
+          </ac:picMkLst>
+        </pc:picChg>
+        <pc:picChg chg="add del">
+          <ac:chgData name="sun above" userId="af778d66278731e4" providerId="LiveId" clId="{D0A4C308-D7F4-4118-879D-3D5E65AD4D8A}" dt="2019-04-17T23:39:16.486" v="184"/>
+          <ac:picMkLst>
+            <pc:docMk/>
+            <pc:sldMk cId="406724424" sldId="645"/>
+            <ac:picMk id="2050" creationId="{82C1CD9D-A65C-4BF4-BC96-1C613B1881E0}"/>
+          </ac:picMkLst>
+        </pc:picChg>
+      </pc:sldChg>
     </pc:docChg>
   </pc:docChgLst>
 </pc:chgInfo>
@@ -933,7 +934,7 @@
           <a:p>
             <a:fld id="{60456C2F-1F67-44A5-80B0-9C3A6CA33C82}" type="datetimeFigureOut">
               <a:rPr lang="en-US" smtClean="0"/>
-              <a:t>5/21/2019</a:t>
+              <a:t>5/24/2019</a:t>
             </a:fld>
             <a:endParaRPr lang="en-US"/>
           </a:p>
@@ -1332,7 +1333,7 @@
           <a:p>
             <a:fld id="{3F7D6236-5F20-45BD-B0E0-2B1BC4294A4C}" type="datetime1">
               <a:rPr lang="ko-KR" altLang="en-US" smtClean="0"/>
-              <a:t>2019-05-21</a:t>
+              <a:t>2019-05-24</a:t>
             </a:fld>
             <a:endParaRPr lang="en-US"/>
           </a:p>
@@ -1354,7 +1355,7 @@
           <a:lstStyle/>
           <a:p>
             <a:r>
-              <a:rPr lang="ko-KR" altLang="en-US" smtClean="0"/>
+              <a:rPr lang="ko-KR" altLang="en-US"/>
               <a:t>지능형 드론 멘토링 과정</a:t>
             </a:r>
             <a:endParaRPr lang="en-US"/>
@@ -1506,7 +1507,7 @@
           <a:p>
             <a:fld id="{527E0480-429E-4360-A658-D3E92B35B1A3}" type="datetime1">
               <a:rPr lang="ko-KR" altLang="en-US" smtClean="0"/>
-              <a:t>2019-05-21</a:t>
+              <a:t>2019-05-24</a:t>
             </a:fld>
             <a:endParaRPr lang="en-US"/>
           </a:p>
@@ -1528,7 +1529,7 @@
           <a:lstStyle/>
           <a:p>
             <a:r>
-              <a:rPr lang="ko-KR" altLang="en-US" smtClean="0"/>
+              <a:rPr lang="ko-KR" altLang="en-US"/>
               <a:t>지능형 드론 멘토링 과정</a:t>
             </a:r>
             <a:endParaRPr lang="en-US"/>
@@ -1797,7 +1798,7 @@
           <a:p>
             <a:fld id="{2268F6EB-C392-491F-8B25-0782FEF8E57A}" type="datetime1">
               <a:rPr lang="ko-KR" altLang="en-US" smtClean="0"/>
-              <a:t>2019-05-21</a:t>
+              <a:t>2019-05-24</a:t>
             </a:fld>
             <a:endParaRPr lang="en-US"/>
           </a:p>
@@ -1819,7 +1820,7 @@
           <a:lstStyle/>
           <a:p>
             <a:r>
-              <a:rPr lang="ko-KR" altLang="en-US" smtClean="0"/>
+              <a:rPr lang="ko-KR" altLang="en-US"/>
               <a:t>지능형 드론 멘토링 과정</a:t>
             </a:r>
             <a:endParaRPr lang="en-US"/>
@@ -2076,7 +2077,7 @@
           <a:p>
             <a:fld id="{22673DE4-13A4-4D79-B478-CEB33E7C688F}" type="datetime1">
               <a:rPr lang="ko-KR" altLang="en-US" smtClean="0"/>
-              <a:t>2019-05-21</a:t>
+              <a:t>2019-05-24</a:t>
             </a:fld>
             <a:endParaRPr lang="en-US"/>
           </a:p>
@@ -2098,7 +2099,7 @@
           <a:lstStyle/>
           <a:p>
             <a:r>
-              <a:rPr lang="ko-KR" altLang="en-US" smtClean="0"/>
+              <a:rPr lang="ko-KR" altLang="en-US"/>
               <a:t>지능형 드론 멘토링 과정</a:t>
             </a:r>
             <a:endParaRPr lang="en-US"/>
@@ -2392,7 +2393,7 @@
           <a:p>
             <a:fld id="{B6EA94F4-BB2B-4D52-A60A-60930175EBF6}" type="datetime1">
               <a:rPr lang="ko-KR" altLang="en-US" smtClean="0"/>
-              <a:t>2019-05-21</a:t>
+              <a:t>2019-05-24</a:t>
             </a:fld>
             <a:endParaRPr lang="en-US"/>
           </a:p>
@@ -2414,7 +2415,7 @@
           <a:lstStyle/>
           <a:p>
             <a:r>
-              <a:rPr lang="ko-KR" altLang="en-US" smtClean="0"/>
+              <a:rPr lang="ko-KR" altLang="en-US"/>
               <a:t>지능형 드론 멘토링 과정</a:t>
             </a:r>
             <a:endParaRPr lang="en-US"/>
@@ -2806,7 +2807,7 @@
           <a:p>
             <a:fld id="{E18DF4B8-AFCC-4053-8532-908E41EDB855}" type="datetime1">
               <a:rPr lang="ko-KR" altLang="en-US" smtClean="0"/>
-              <a:t>2019-05-21</a:t>
+              <a:t>2019-05-24</a:t>
             </a:fld>
             <a:endParaRPr lang="en-US"/>
           </a:p>
@@ -2828,7 +2829,7 @@
           <a:lstStyle/>
           <a:p>
             <a:r>
-              <a:rPr lang="ko-KR" altLang="en-US" smtClean="0"/>
+              <a:rPr lang="ko-KR" altLang="en-US"/>
               <a:t>지능형 드론 멘토링 과정</a:t>
             </a:r>
             <a:endParaRPr lang="en-US"/>
@@ -2928,7 +2929,7 @@
           <a:p>
             <a:fld id="{4DF0E90D-3B40-4D85-ADC5-1DA24403EC4C}" type="datetime1">
               <a:rPr lang="ko-KR" altLang="en-US" smtClean="0"/>
-              <a:t>2019-05-21</a:t>
+              <a:t>2019-05-24</a:t>
             </a:fld>
             <a:endParaRPr lang="en-US"/>
           </a:p>
@@ -2955,7 +2956,7 @@
           <a:lstStyle/>
           <a:p>
             <a:r>
-              <a:rPr lang="ko-KR" altLang="en-US" smtClean="0"/>
+              <a:rPr lang="ko-KR" altLang="en-US"/>
               <a:t>지능형 드론 멘토링 과정</a:t>
             </a:r>
             <a:endParaRPr lang="en-US"/>
@@ -3075,7 +3076,7 @@
           <a:p>
             <a:fld id="{6151AAF9-8D5B-4822-A1A6-775144BEB3CE}" type="datetime1">
               <a:rPr lang="ko-KR" altLang="en-US" smtClean="0"/>
-              <a:t>2019-05-21</a:t>
+              <a:t>2019-05-24</a:t>
             </a:fld>
             <a:endParaRPr lang="en-US"/>
           </a:p>
@@ -3097,7 +3098,7 @@
           <a:lstStyle/>
           <a:p>
             <a:r>
-              <a:rPr lang="ko-KR" altLang="en-US" smtClean="0"/>
+              <a:rPr lang="ko-KR" altLang="en-US"/>
               <a:t>지능형 드론 멘토링 과정</a:t>
             </a:r>
             <a:endParaRPr lang="en-US"/>
@@ -3294,7 +3295,7 @@
           <a:p>
             <a:fld id="{9CCF9B79-C01D-4080-BE9C-A3E3B3F0FA2A}" type="datetime1">
               <a:rPr lang="ko-KR" altLang="en-US" smtClean="0"/>
-              <a:t>2019-05-21</a:t>
+              <a:t>2019-05-24</a:t>
             </a:fld>
             <a:endParaRPr lang="en-US"/>
           </a:p>
@@ -3336,7 +3337,7 @@
           </a:lstStyle>
           <a:p>
             <a:r>
-              <a:rPr lang="ko-KR" altLang="en-US" smtClean="0"/>
+              <a:rPr lang="ko-KR" altLang="en-US"/>
               <a:t>지능형 드론 멘토링 과정</a:t>
             </a:r>
             <a:endParaRPr lang="en-US"/>
@@ -3729,27 +3730,19 @@
           <a:lstStyle/>
           <a:p>
             <a:r>
-              <a:rPr lang="ko-KR" altLang="en-US" sz="4800" smtClean="0"/>
+              <a:rPr lang="ko-KR" altLang="en-US" sz="4800"/>
               <a:t>지능형 드론 멘토링 과정</a:t>
             </a:r>
-            <a:r>
-              <a:rPr lang="en-US" altLang="ko-KR" sz="4800" smtClean="0"/>
-              <a:t/>
-            </a:r>
             <a:br>
-              <a:rPr lang="en-US" altLang="ko-KR" sz="4800" smtClean="0"/>
+              <a:rPr lang="en-US" altLang="ko-KR" sz="4800"/>
             </a:br>
             <a:r>
-              <a:rPr lang="en-US" altLang="ko-KR" sz="4800" smtClean="0"/>
+              <a:rPr lang="en-US" altLang="ko-KR" sz="4800"/>
               <a:t>H/W </a:t>
             </a:r>
             <a:r>
               <a:rPr lang="ko-KR" altLang="en-US" sz="4800"/>
               <a:t>구매 목록</a:t>
-            </a:r>
-            <a:r>
-              <a:rPr lang="en-US" altLang="ko-KR" sz="4800"/>
-              <a:t/>
             </a:r>
             <a:br>
               <a:rPr lang="en-US" altLang="ko-KR" sz="4800"/>
@@ -3792,7 +3785,7 @@
         </p:spPr>
         <p:txBody>
           <a:bodyPr anchor="ctr">
-            <a:normAutofit fontScale="92500" lnSpcReduction="20000"/>
+            <a:normAutofit fontScale="92500" lnSpcReduction="10000"/>
           </a:bodyPr>
           <a:lstStyle/>
           <a:p>
@@ -3803,11 +3796,7 @@
             </a:pPr>
             <a:r>
               <a:rPr lang="en-US" altLang="ko-KR"/>
-              <a:t>V </a:t>
-            </a:r>
-            <a:r>
-              <a:rPr lang="en-US" altLang="ko-KR" smtClean="0"/>
-              <a:t>1.00</a:t>
+              <a:t>V 1.00</a:t>
             </a:r>
             <a:endParaRPr lang="en-US" altLang="ko-KR" dirty="0"/>
           </a:p>
@@ -3939,7 +3928,7 @@
           <a:p>
             <a:fld id="{B2DB3073-FF86-4509-B2D7-0E3B387E6497}" type="datetime1">
               <a:rPr lang="ko-KR" altLang="en-US" smtClean="0"/>
-              <a:t>2019-05-21</a:t>
+              <a:t>2019-05-24</a:t>
             </a:fld>
             <a:endParaRPr lang="en-US"/>
           </a:p>
@@ -3961,7 +3950,7 @@
           <a:lstStyle/>
           <a:p>
             <a:r>
-              <a:rPr lang="ko-KR" altLang="en-US" smtClean="0"/>
+              <a:rPr lang="ko-KR" altLang="en-US"/>
               <a:t>지능형 드론 멘토링 과정</a:t>
             </a:r>
             <a:endParaRPr lang="en-US"/>
@@ -4142,7 +4131,7 @@
                     <a:p>
                       <a:pPr algn="ctr"/>
                       <a:r>
-                        <a:rPr lang="en-US" smtClean="0"/>
+                        <a:rPr lang="en-US"/>
                         <a:t>19-05-21(</a:t>
                       </a:r>
                       <a:r>
@@ -4859,7 +4848,7 @@
           <a:lstStyle/>
           <a:p>
             <a:r>
-              <a:rPr lang="ko-KR" altLang="en-US" smtClean="0"/>
+              <a:rPr lang="ko-KR" altLang="en-US"/>
               <a:t>전체 구매 목록</a:t>
             </a:r>
             <a:endParaRPr lang="en-US" dirty="0"/>
@@ -4889,7 +4878,7 @@
           <a:p>
             <a:fld id="{2582632B-B9A8-4EFB-AF98-4CFC1B49373F}" type="datetime1">
               <a:rPr lang="ko-KR" altLang="en-US" smtClean="0"/>
-              <a:t>2019-05-21</a:t>
+              <a:t>2019-05-24</a:t>
             </a:fld>
             <a:endParaRPr lang="en-US"/>
           </a:p>
@@ -4917,7 +4906,7 @@
           <a:lstStyle/>
           <a:p>
             <a:r>
-              <a:rPr lang="ko-KR" altLang="en-US" smtClean="0"/>
+              <a:rPr lang="ko-KR" altLang="en-US"/>
               <a:t>지능형 드론 멘토링 과정</a:t>
             </a:r>
             <a:endParaRPr lang="en-US"/>
@@ -5023,7 +5012,7 @@
                     <a:p>
                       <a:pPr algn="ctr"/>
                       <a:r>
-                        <a:rPr lang="ko-KR" altLang="en-US" sz="1400" smtClean="0"/>
+                        <a:rPr lang="ko-KR" altLang="en-US" sz="1400"/>
                         <a:t>구매 방법</a:t>
                       </a:r>
                       <a:endParaRPr lang="en-US" sz="1400" dirty="0"/>
@@ -5129,7 +5118,7 @@
                     <a:p>
                       <a:pPr algn="ctr"/>
                       <a:r>
-                        <a:rPr lang="ko-KR" altLang="en-US" sz="1400" smtClean="0"/>
+                        <a:rPr lang="ko-KR" altLang="en-US" sz="1400"/>
                         <a:t>견적 구매</a:t>
                       </a:r>
                       <a:endParaRPr lang="en-US" sz="1400" dirty="0">
@@ -5164,14 +5153,14 @@
                         <a:defRPr/>
                       </a:pPr>
                       <a:r>
-                        <a:rPr lang="en-US" altLang="ko-KR" sz="1400" smtClean="0"/>
+                        <a:rPr lang="en-US" altLang="ko-KR" sz="1400"/>
                         <a:t>NAVIO2 </a:t>
                       </a:r>
                       <a:r>
-                        <a:rPr lang="ko-KR" altLang="en-US" sz="1400" smtClean="0"/>
+                        <a:rPr lang="ko-KR" altLang="en-US" sz="1400"/>
                         <a:t>기반 드론 조립</a:t>
                       </a:r>
-                      <a:endParaRPr lang="en-US" sz="1400" smtClean="0">
+                      <a:endParaRPr lang="en-US" sz="1400">
                         <a:solidFill>
                           <a:srgbClr val="FF0000"/>
                         </a:solidFill>
@@ -5203,11 +5192,11 @@
                         <a:defRPr/>
                       </a:pPr>
                       <a:r>
-                        <a:rPr lang="en-US" altLang="ko-KR" sz="1400" smtClean="0"/>
+                        <a:rPr lang="en-US" altLang="ko-KR" sz="1400"/>
                         <a:t>NAVIO2 </a:t>
                       </a:r>
                       <a:r>
-                        <a:rPr lang="ko-KR" altLang="en-US" sz="1400" smtClean="0"/>
+                        <a:rPr lang="ko-KR" altLang="en-US" sz="1400"/>
                         <a:t>기반 드론 </a:t>
                       </a:r>
                       <a:endParaRPr lang="en-US" sz="1400" dirty="0">
@@ -5241,7 +5230,7 @@
                     <a:p>
                       <a:pPr algn="ctr"/>
                       <a:r>
-                        <a:rPr lang="en-US" sz="1400" smtClean="0">
+                        <a:rPr lang="en-US" sz="1400">
                           <a:solidFill>
                             <a:schemeClr val="dk1"/>
                           </a:solidFill>
@@ -5908,19 +5897,19 @@
           <a:lstStyle/>
           <a:p>
             <a:r>
-              <a:rPr lang="en-US" smtClean="0"/>
+              <a:rPr lang="en-US"/>
               <a:t>NAVIO2 </a:t>
             </a:r>
             <a:r>
-              <a:rPr lang="ko-KR" altLang="en-US" smtClean="0"/>
+              <a:rPr lang="ko-KR" altLang="en-US"/>
               <a:t>기반 드론 조립 </a:t>
             </a:r>
             <a:r>
-              <a:rPr lang="en-US" altLang="ko-KR" smtClean="0"/>
+              <a:rPr lang="en-US" altLang="ko-KR"/>
               <a:t>1</a:t>
             </a:r>
             <a:r>
-              <a:rPr lang="ko-KR" altLang="en-US" smtClean="0"/>
+              <a:rPr lang="ko-KR" altLang="en-US"/>
               <a:t>안</a:t>
             </a:r>
             <a:endParaRPr lang="en-US" dirty="0"/>
@@ -5950,7 +5939,7 @@
           <a:p>
             <a:fld id="{2582632B-B9A8-4EFB-AF98-4CFC1B49373F}" type="datetime1">
               <a:rPr lang="ko-KR" altLang="en-US" smtClean="0"/>
-              <a:t>2019-05-21</a:t>
+              <a:t>2019-05-24</a:t>
             </a:fld>
             <a:endParaRPr lang="en-US"/>
           </a:p>
@@ -5978,7 +5967,7 @@
           <a:lstStyle/>
           <a:p>
             <a:r>
-              <a:rPr lang="ko-KR" altLang="en-US" smtClean="0"/>
+              <a:rPr lang="ko-KR" altLang="en-US"/>
               <a:t>지능형 드론 멘토링 과정</a:t>
             </a:r>
             <a:endParaRPr lang="en-US"/>
@@ -6099,7 +6088,7 @@
                     <a:p>
                       <a:pPr algn="ctr"/>
                       <a:r>
-                        <a:rPr lang="ko-KR" altLang="en-US" sz="1400" smtClean="0"/>
+                        <a:rPr lang="ko-KR" altLang="en-US" sz="1400"/>
                         <a:t>제품</a:t>
                       </a:r>
                       <a:endParaRPr lang="en-US" sz="1400" dirty="0"/>
@@ -6205,7 +6194,7 @@
                     <a:p>
                       <a:pPr algn="ctr"/>
                       <a:r>
-                        <a:rPr lang="ko-KR" altLang="en-US" sz="1400" smtClean="0">
+                        <a:rPr lang="ko-KR" altLang="en-US" sz="1400">
                           <a:solidFill>
                             <a:schemeClr val="tx1"/>
                           </a:solidFill>
@@ -6213,7 +6202,7 @@
                         <a:t>모터</a:t>
                       </a:r>
                       <a:r>
-                        <a:rPr lang="en-US" altLang="ko-KR" sz="1400" smtClean="0">
+                        <a:rPr lang="en-US" altLang="ko-KR" sz="1400">
                           <a:solidFill>
                             <a:schemeClr val="tx1"/>
                           </a:solidFill>
@@ -6221,7 +6210,7 @@
                         <a:t>/</a:t>
                       </a:r>
                       <a:r>
-                        <a:rPr lang="ko-KR" altLang="en-US" sz="1400" smtClean="0">
+                        <a:rPr lang="ko-KR" altLang="en-US" sz="1400">
                           <a:solidFill>
                             <a:schemeClr val="tx1"/>
                           </a:solidFill>
@@ -6229,7 +6218,7 @@
                         <a:t>센서</a:t>
                       </a:r>
                       <a:r>
-                        <a:rPr lang="en-US" altLang="ko-KR" sz="1400" smtClean="0">
+                        <a:rPr lang="en-US" altLang="ko-KR" sz="1400">
                           <a:solidFill>
                             <a:schemeClr val="tx1"/>
                           </a:solidFill>
@@ -6237,7 +6226,7 @@
                         <a:t>/</a:t>
                       </a:r>
                       <a:r>
-                        <a:rPr lang="ko-KR" altLang="en-US" sz="1400" smtClean="0">
+                        <a:rPr lang="ko-KR" altLang="en-US" sz="1400">
                           <a:solidFill>
                             <a:schemeClr val="tx1"/>
                           </a:solidFill>
@@ -6260,7 +6249,7 @@
                     <a:p>
                       <a:pPr algn="ctr"/>
                       <a:r>
-                        <a:rPr lang="en-US" altLang="ko-KR" sz="1400" smtClean="0"/>
+                        <a:rPr lang="en-US" altLang="ko-KR" sz="1400"/>
                         <a:t>JDRC JD</a:t>
                       </a:r>
                       <a:endParaRPr lang="en-US" sz="1400" dirty="0">
@@ -6279,7 +6268,7 @@
                     <a:p>
                       <a:pPr algn="r"/>
                       <a:r>
-                        <a:rPr lang="en-US" sz="1400" smtClean="0">
+                        <a:rPr lang="en-US" sz="1400">
                           <a:solidFill>
                             <a:schemeClr val="tx1"/>
                           </a:solidFill>
@@ -6287,7 +6276,7 @@
                         <a:t>9 </a:t>
                       </a:r>
                       <a:r>
-                        <a:rPr lang="ko-KR" altLang="en-US" sz="1400" smtClean="0">
+                        <a:rPr lang="ko-KR" altLang="en-US" sz="1400">
                           <a:solidFill>
                             <a:schemeClr val="tx1"/>
                           </a:solidFill>
@@ -6310,7 +6299,7 @@
                     <a:p>
                       <a:pPr algn="ctr"/>
                       <a:r>
-                        <a:rPr lang="en-US" sz="1400" smtClean="0">
+                        <a:rPr lang="en-US" sz="1400">
                           <a:solidFill>
                             <a:schemeClr val="tx1"/>
                           </a:solidFill>
@@ -6355,7 +6344,7 @@
                     <a:p>
                       <a:pPr algn="ctr" fontAlgn="base"/>
                       <a:r>
-                        <a:rPr lang="ko-KR" altLang="en-US" sz="1400" b="0" i="0" kern="1200" smtClean="0">
+                        <a:rPr lang="ko-KR" altLang="en-US" sz="1400" b="0" i="0" kern="1200">
                           <a:solidFill>
                             <a:schemeClr val="tx1"/>
                           </a:solidFill>
@@ -6402,7 +6391,7 @@
                         <a:defRPr/>
                       </a:pPr>
                       <a:r>
-                        <a:rPr lang="en-US" sz="1400" smtClean="0">
+                        <a:rPr lang="en-US" sz="1400">
                           <a:solidFill>
                             <a:schemeClr val="tx1"/>
                           </a:solidFill>
@@ -6410,7 +6399,7 @@
                         <a:t>RASPBERRY</a:t>
                       </a:r>
                       <a:r>
-                        <a:rPr lang="en-US" sz="1400" baseline="0" smtClean="0">
+                        <a:rPr lang="en-US" sz="1400" baseline="0">
                           <a:solidFill>
                             <a:schemeClr val="tx1"/>
                           </a:solidFill>
@@ -6433,7 +6422,7 @@
                     <a:p>
                       <a:pPr algn="r"/>
                       <a:r>
-                        <a:rPr lang="en-US" sz="1400" smtClean="0">
+                        <a:rPr lang="en-US" sz="1400">
                           <a:solidFill>
                             <a:schemeClr val="tx1"/>
                           </a:solidFill>
@@ -6441,7 +6430,7 @@
                         <a:t>5</a:t>
                       </a:r>
                       <a:r>
-                        <a:rPr lang="en-US" sz="1400" baseline="0" smtClean="0">
+                        <a:rPr lang="en-US" sz="1400" baseline="0">
                           <a:solidFill>
                             <a:schemeClr val="tx1"/>
                           </a:solidFill>
@@ -6449,7 +6438,7 @@
                         <a:t> </a:t>
                       </a:r>
                       <a:r>
-                        <a:rPr lang="ko-KR" altLang="en-US" sz="1400" baseline="0" smtClean="0">
+                        <a:rPr lang="ko-KR" altLang="en-US" sz="1400" baseline="0">
                           <a:solidFill>
                             <a:schemeClr val="tx1"/>
                           </a:solidFill>
@@ -6472,7 +6461,7 @@
                     <a:p>
                       <a:pPr algn="ctr"/>
                       <a:r>
-                        <a:rPr lang="en-US" sz="1400" smtClean="0">
+                        <a:rPr lang="en-US" sz="1400">
                           <a:solidFill>
                             <a:schemeClr val="tx1"/>
                           </a:solidFill>
@@ -6517,7 +6506,7 @@
                     <a:p>
                       <a:pPr algn="ctr" fontAlgn="base"/>
                       <a:r>
-                        <a:rPr lang="ko-KR" altLang="en-US" sz="1400" b="0" i="0" kern="1200" smtClean="0">
+                        <a:rPr lang="ko-KR" altLang="en-US" sz="1400" b="0" i="0" kern="1200">
                           <a:solidFill>
                             <a:schemeClr val="tx1"/>
                           </a:solidFill>
@@ -6564,7 +6553,7 @@
                         <a:defRPr/>
                       </a:pPr>
                       <a:r>
-                        <a:rPr lang="en-US" sz="1400" smtClean="0">
+                        <a:rPr lang="en-US" sz="1400">
                           <a:solidFill>
                             <a:schemeClr val="tx1"/>
                           </a:solidFill>
@@ -6587,7 +6576,7 @@
                     <a:p>
                       <a:pPr algn="r"/>
                       <a:r>
-                        <a:rPr lang="en-US" sz="1400" smtClean="0">
+                        <a:rPr lang="en-US" sz="1400">
                           <a:solidFill>
                             <a:schemeClr val="tx1"/>
                           </a:solidFill>
@@ -6595,7 +6584,7 @@
                         <a:t>20 </a:t>
                       </a:r>
                       <a:r>
-                        <a:rPr lang="ko-KR" altLang="en-US" sz="1400" smtClean="0">
+                        <a:rPr lang="ko-KR" altLang="en-US" sz="1400">
                           <a:solidFill>
                             <a:schemeClr val="tx1"/>
                           </a:solidFill>
@@ -6618,7 +6607,7 @@
                     <a:p>
                       <a:pPr algn="ctr"/>
                       <a:r>
-                        <a:rPr lang="en-US" sz="1400" smtClean="0">
+                        <a:rPr lang="en-US" sz="1400">
                           <a:solidFill>
                             <a:schemeClr val="tx1"/>
                           </a:solidFill>
@@ -6715,7 +6704,7 @@
                         <a:defRPr/>
                       </a:pPr>
                       <a:r>
-                        <a:rPr lang="en-US" sz="1400" strike="sngStrike" smtClean="0">
+                        <a:rPr lang="en-US" sz="1400" strike="sngStrike">
                           <a:solidFill>
                             <a:schemeClr val="dk1"/>
                           </a:solidFill>
@@ -6735,7 +6724,7 @@
                         <a:defRPr/>
                       </a:pPr>
                       <a:r>
-                        <a:rPr lang="en-US" altLang="ko-KR" sz="1400" b="0" strike="sngStrike" smtClean="0">
+                        <a:rPr lang="en-US" altLang="ko-KR" sz="1400" b="0" strike="sngStrike">
                           <a:solidFill>
                             <a:schemeClr val="tx1"/>
                           </a:solidFill>
@@ -6746,7 +6735,7 @@
                         <a:t>36 </a:t>
                       </a:r>
                       <a:r>
-                        <a:rPr lang="ko-KR" altLang="en-US" sz="1400" b="0" strike="sngStrike" smtClean="0">
+                        <a:rPr lang="ko-KR" altLang="en-US" sz="1400" b="0" strike="sngStrike">
                           <a:solidFill>
                             <a:schemeClr val="tx1"/>
                           </a:solidFill>
@@ -6777,7 +6766,7 @@
                         <a:defRPr/>
                       </a:pPr>
                       <a:r>
-                        <a:rPr lang="en-US" altLang="ko-KR" sz="1400" b="0" strike="sngStrike" smtClean="0">
+                        <a:rPr lang="en-US" altLang="ko-KR" sz="1400" b="0" strike="sngStrike">
                           <a:solidFill>
                             <a:schemeClr val="tx1"/>
                           </a:solidFill>
@@ -6880,7 +6869,7 @@
                         <a:defRPr/>
                       </a:pPr>
                       <a:r>
-                        <a:rPr lang="en-US" altLang="ko-KR" sz="1400" b="0" strike="sngStrike" smtClean="0">
+                        <a:rPr lang="en-US" altLang="ko-KR" sz="1400" b="0" strike="sngStrike">
                           <a:solidFill>
                             <a:schemeClr val="tx1"/>
                           </a:solidFill>
@@ -6911,7 +6900,7 @@
                         <a:defRPr/>
                       </a:pPr>
                       <a:r>
-                        <a:rPr lang="en-US" altLang="ko-KR" sz="1400" b="0" strike="sngStrike" smtClean="0">
+                        <a:rPr lang="en-US" altLang="ko-KR" sz="1400" b="0" strike="sngStrike">
                           <a:solidFill>
                             <a:schemeClr val="tx1"/>
                           </a:solidFill>
@@ -6922,7 +6911,7 @@
                         <a:t>80 </a:t>
                       </a:r>
                       <a:r>
-                        <a:rPr lang="ko-KR" altLang="en-US" sz="1400" b="0" strike="sngStrike" smtClean="0">
+                        <a:rPr lang="ko-KR" altLang="en-US" sz="1400" b="0" strike="sngStrike">
                           <a:solidFill>
                             <a:schemeClr val="tx1"/>
                           </a:solidFill>
@@ -6953,7 +6942,7 @@
                         <a:defRPr/>
                       </a:pPr>
                       <a:r>
-                        <a:rPr lang="en-US" altLang="ko-KR" sz="1400" b="0" strike="sngStrike" smtClean="0">
+                        <a:rPr lang="en-US" altLang="ko-KR" sz="1400" b="0" strike="sngStrike">
                           <a:solidFill>
                             <a:schemeClr val="tx1"/>
                           </a:solidFill>
@@ -7137,7 +7126,7 @@
                         <a:defRPr/>
                       </a:pPr>
                       <a:r>
-                        <a:rPr lang="ko-KR" altLang="en-US" sz="1400" smtClean="0">
+                        <a:rPr lang="ko-KR" altLang="en-US" sz="1400">
                           <a:solidFill>
                             <a:schemeClr val="tx1"/>
                           </a:solidFill>
@@ -7309,19 +7298,19 @@
           <a:lstStyle/>
           <a:p>
             <a:r>
-              <a:rPr lang="en-US" smtClean="0"/>
+              <a:rPr lang="en-US"/>
               <a:t>NAVIO2 </a:t>
             </a:r>
             <a:r>
-              <a:rPr lang="ko-KR" altLang="en-US" smtClean="0"/>
+              <a:rPr lang="ko-KR" altLang="en-US"/>
               <a:t>기반 드론 조립 </a:t>
             </a:r>
             <a:r>
-              <a:rPr lang="en-US" altLang="ko-KR" smtClean="0"/>
+              <a:rPr lang="en-US" altLang="ko-KR"/>
               <a:t>2</a:t>
             </a:r>
             <a:r>
-              <a:rPr lang="ko-KR" altLang="en-US" smtClean="0"/>
+              <a:rPr lang="ko-KR" altLang="en-US"/>
               <a:t>안</a:t>
             </a:r>
             <a:endParaRPr lang="en-US" dirty="0"/>
@@ -7351,7 +7340,7 @@
           <a:p>
             <a:fld id="{2582632B-B9A8-4EFB-AF98-4CFC1B49373F}" type="datetime1">
               <a:rPr lang="ko-KR" altLang="en-US" smtClean="0"/>
-              <a:t>2019-05-21</a:t>
+              <a:t>2019-05-24</a:t>
             </a:fld>
             <a:endParaRPr lang="en-US"/>
           </a:p>
@@ -7379,7 +7368,7 @@
           <a:lstStyle/>
           <a:p>
             <a:r>
-              <a:rPr lang="ko-KR" altLang="en-US" smtClean="0"/>
+              <a:rPr lang="ko-KR" altLang="en-US"/>
               <a:t>지능형 드론 멘토링 과정</a:t>
             </a:r>
             <a:endParaRPr lang="en-US"/>
@@ -7500,7 +7489,7 @@
                     <a:p>
                       <a:pPr algn="ctr"/>
                       <a:r>
-                        <a:rPr lang="ko-KR" altLang="en-US" sz="1400" smtClean="0"/>
+                        <a:rPr lang="ko-KR" altLang="en-US" sz="1400"/>
                         <a:t>제품</a:t>
                       </a:r>
                       <a:endParaRPr lang="en-US" sz="1400" dirty="0"/>
@@ -7622,7 +7611,7 @@
                         <a:defRPr/>
                       </a:pPr>
                       <a:r>
-                        <a:rPr lang="ko-KR" altLang="en-US" sz="1400" smtClean="0">
+                        <a:rPr lang="ko-KR" altLang="en-US" sz="1400">
                           <a:solidFill>
                             <a:schemeClr val="tx1"/>
                           </a:solidFill>
@@ -7630,7 +7619,7 @@
                         <a:t>모터</a:t>
                       </a:r>
                       <a:r>
-                        <a:rPr lang="en-US" altLang="ko-KR" sz="1400" smtClean="0">
+                        <a:rPr lang="en-US" altLang="ko-KR" sz="1400">
                           <a:solidFill>
                             <a:schemeClr val="tx1"/>
                           </a:solidFill>
@@ -7638,7 +7627,7 @@
                         <a:t>/</a:t>
                       </a:r>
                       <a:r>
-                        <a:rPr lang="ko-KR" altLang="en-US" sz="1400" smtClean="0">
+                        <a:rPr lang="ko-KR" altLang="en-US" sz="1400">
                           <a:solidFill>
                             <a:schemeClr val="tx1"/>
                           </a:solidFill>
@@ -7646,7 +7635,7 @@
                         <a:t>센서</a:t>
                       </a:r>
                       <a:r>
-                        <a:rPr lang="en-US" altLang="ko-KR" sz="1400" smtClean="0">
+                        <a:rPr lang="en-US" altLang="ko-KR" sz="1400">
                           <a:solidFill>
                             <a:schemeClr val="tx1"/>
                           </a:solidFill>
@@ -7654,14 +7643,14 @@
                         <a:t>/</a:t>
                       </a:r>
                       <a:r>
-                        <a:rPr lang="ko-KR" altLang="en-US" sz="1400" smtClean="0">
+                        <a:rPr lang="ko-KR" altLang="en-US" sz="1400">
                           <a:solidFill>
                             <a:schemeClr val="tx1"/>
                           </a:solidFill>
                         </a:rPr>
                         <a:t>본체</a:t>
                       </a:r>
-                      <a:endParaRPr lang="en-US" sz="1400" smtClean="0">
+                      <a:endParaRPr lang="en-US" sz="1400">
                         <a:solidFill>
                           <a:schemeClr val="tx1"/>
                         </a:solidFill>
@@ -7693,7 +7682,7 @@
                         <a:defRPr/>
                       </a:pPr>
                       <a:r>
-                        <a:rPr lang="en-US" sz="1400" smtClean="0">
+                        <a:rPr lang="en-US" sz="1400">
                           <a:solidFill>
                             <a:schemeClr val="tx1"/>
                           </a:solidFill>
@@ -7711,7 +7700,7 @@
                     <a:p>
                       <a:pPr algn="r"/>
                       <a:r>
-                        <a:rPr lang="en-US" sz="1400" smtClean="0">
+                        <a:rPr lang="en-US" sz="1400">
                           <a:solidFill>
                             <a:schemeClr val="tx1"/>
                           </a:solidFill>
@@ -7719,7 +7708,7 @@
                         <a:t>32</a:t>
                       </a:r>
                       <a:r>
-                        <a:rPr lang="ko-KR" altLang="en-US" sz="1400" smtClean="0">
+                        <a:rPr lang="ko-KR" altLang="en-US" sz="1400">
                           <a:solidFill>
                             <a:schemeClr val="tx1"/>
                           </a:solidFill>
@@ -7742,7 +7731,7 @@
                     <a:p>
                       <a:pPr algn="ctr"/>
                       <a:r>
-                        <a:rPr lang="en-US" sz="1400" smtClean="0">
+                        <a:rPr lang="en-US" sz="1400">
                           <a:solidFill>
                             <a:schemeClr val="tx1"/>
                           </a:solidFill>
@@ -7787,7 +7776,7 @@
                     <a:p>
                       <a:pPr algn="ctr" fontAlgn="base"/>
                       <a:r>
-                        <a:rPr lang="ko-KR" altLang="en-US" sz="1400" b="0" i="0" kern="1200" smtClean="0">
+                        <a:rPr lang="ko-KR" altLang="en-US" sz="1400" b="0" i="0" kern="1200">
                           <a:solidFill>
                             <a:schemeClr val="tx1"/>
                           </a:solidFill>
@@ -7834,7 +7823,7 @@
                         <a:defRPr/>
                       </a:pPr>
                       <a:r>
-                        <a:rPr lang="en-US" sz="1400" smtClean="0">
+                        <a:rPr lang="en-US" sz="1400">
                           <a:solidFill>
                             <a:schemeClr val="tx1"/>
                           </a:solidFill>
@@ -7842,7 +7831,7 @@
                         <a:t>RASPBERRY</a:t>
                       </a:r>
                       <a:r>
-                        <a:rPr lang="en-US" sz="1400" baseline="0" smtClean="0">
+                        <a:rPr lang="en-US" sz="1400" baseline="0">
                           <a:solidFill>
                             <a:schemeClr val="tx1"/>
                           </a:solidFill>
@@ -7865,7 +7854,7 @@
                     <a:p>
                       <a:pPr algn="r"/>
                       <a:r>
-                        <a:rPr lang="en-US" sz="1400" smtClean="0">
+                        <a:rPr lang="en-US" sz="1400">
                           <a:solidFill>
                             <a:schemeClr val="tx1"/>
                           </a:solidFill>
@@ -7873,7 +7862,7 @@
                         <a:t>5</a:t>
                       </a:r>
                       <a:r>
-                        <a:rPr lang="en-US" sz="1400" baseline="0" smtClean="0">
+                        <a:rPr lang="en-US" sz="1400" baseline="0">
                           <a:solidFill>
                             <a:schemeClr val="tx1"/>
                           </a:solidFill>
@@ -7881,7 +7870,7 @@
                         <a:t> </a:t>
                       </a:r>
                       <a:r>
-                        <a:rPr lang="ko-KR" altLang="en-US" sz="1400" baseline="0" smtClean="0">
+                        <a:rPr lang="ko-KR" altLang="en-US" sz="1400" baseline="0">
                           <a:solidFill>
                             <a:schemeClr val="tx1"/>
                           </a:solidFill>
@@ -7904,7 +7893,7 @@
                     <a:p>
                       <a:pPr algn="ctr"/>
                       <a:r>
-                        <a:rPr lang="en-US" sz="1400" smtClean="0">
+                        <a:rPr lang="en-US" sz="1400">
                           <a:solidFill>
                             <a:schemeClr val="tx1"/>
                           </a:solidFill>
@@ -7949,7 +7938,7 @@
                     <a:p>
                       <a:pPr algn="ctr" fontAlgn="base"/>
                       <a:r>
-                        <a:rPr lang="ko-KR" altLang="en-US" sz="1400" b="0" i="0" kern="1200" smtClean="0">
+                        <a:rPr lang="ko-KR" altLang="en-US" sz="1400" b="0" i="0" kern="1200">
                           <a:solidFill>
                             <a:schemeClr val="tx1"/>
                           </a:solidFill>
@@ -7996,7 +7985,7 @@
                         <a:defRPr/>
                       </a:pPr>
                       <a:r>
-                        <a:rPr lang="en-US" sz="1400" smtClean="0">
+                        <a:rPr lang="en-US" sz="1400">
                           <a:solidFill>
                             <a:schemeClr val="tx1"/>
                           </a:solidFill>
@@ -8019,7 +8008,7 @@
                     <a:p>
                       <a:pPr algn="r"/>
                       <a:r>
-                        <a:rPr lang="en-US" sz="1400" smtClean="0">
+                        <a:rPr lang="en-US" sz="1400">
                           <a:solidFill>
                             <a:schemeClr val="tx1"/>
                           </a:solidFill>
@@ -8027,7 +8016,7 @@
                         <a:t>20 </a:t>
                       </a:r>
                       <a:r>
-                        <a:rPr lang="ko-KR" altLang="en-US" sz="1400" smtClean="0">
+                        <a:rPr lang="ko-KR" altLang="en-US" sz="1400">
                           <a:solidFill>
                             <a:schemeClr val="tx1"/>
                           </a:solidFill>
@@ -8050,7 +8039,7 @@
                     <a:p>
                       <a:pPr algn="ctr"/>
                       <a:r>
-                        <a:rPr lang="en-US" sz="1400" smtClean="0">
+                        <a:rPr lang="en-US" sz="1400">
                           <a:solidFill>
                             <a:schemeClr val="tx1"/>
                           </a:solidFill>
@@ -8147,7 +8136,7 @@
                         <a:defRPr/>
                       </a:pPr>
                       <a:r>
-                        <a:rPr lang="en-US" sz="1400" strike="sngStrike" smtClean="0">
+                        <a:rPr lang="en-US" sz="1400" strike="sngStrike">
                           <a:solidFill>
                             <a:schemeClr val="dk1"/>
                           </a:solidFill>
@@ -8167,7 +8156,7 @@
                         <a:defRPr/>
                       </a:pPr>
                       <a:r>
-                        <a:rPr lang="en-US" altLang="ko-KR" sz="1400" b="0" strike="sngStrike" smtClean="0">
+                        <a:rPr lang="en-US" altLang="ko-KR" sz="1400" b="0" strike="sngStrike">
                           <a:solidFill>
                             <a:schemeClr val="tx1"/>
                           </a:solidFill>
@@ -8178,7 +8167,7 @@
                         <a:t>36 </a:t>
                       </a:r>
                       <a:r>
-                        <a:rPr lang="ko-KR" altLang="en-US" sz="1400" b="0" strike="sngStrike" smtClean="0">
+                        <a:rPr lang="ko-KR" altLang="en-US" sz="1400" b="0" strike="sngStrike">
                           <a:solidFill>
                             <a:schemeClr val="tx1"/>
                           </a:solidFill>
@@ -8209,7 +8198,7 @@
                         <a:defRPr/>
                       </a:pPr>
                       <a:r>
-                        <a:rPr lang="en-US" altLang="ko-KR" sz="1400" b="0" strike="sngStrike" smtClean="0">
+                        <a:rPr lang="en-US" altLang="ko-KR" sz="1400" b="0" strike="sngStrike">
                           <a:solidFill>
                             <a:schemeClr val="tx1"/>
                           </a:solidFill>
@@ -8312,7 +8301,7 @@
                         <a:defRPr/>
                       </a:pPr>
                       <a:r>
-                        <a:rPr lang="en-US" altLang="ko-KR" sz="1400" b="0" strike="sngStrike" smtClean="0">
+                        <a:rPr lang="en-US" altLang="ko-KR" sz="1400" b="0" strike="sngStrike">
                           <a:solidFill>
                             <a:schemeClr val="tx1"/>
                           </a:solidFill>
@@ -8343,7 +8332,7 @@
                         <a:defRPr/>
                       </a:pPr>
                       <a:r>
-                        <a:rPr lang="en-US" altLang="ko-KR" sz="1400" b="0" strike="sngStrike" smtClean="0">
+                        <a:rPr lang="en-US" altLang="ko-KR" sz="1400" b="0" strike="sngStrike">
                           <a:solidFill>
                             <a:schemeClr val="tx1"/>
                           </a:solidFill>
@@ -8354,7 +8343,7 @@
                         <a:t>80 </a:t>
                       </a:r>
                       <a:r>
-                        <a:rPr lang="ko-KR" altLang="en-US" sz="1400" b="0" strike="sngStrike" smtClean="0">
+                        <a:rPr lang="ko-KR" altLang="en-US" sz="1400" b="0" strike="sngStrike">
                           <a:solidFill>
                             <a:schemeClr val="tx1"/>
                           </a:solidFill>
@@ -8385,7 +8374,7 @@
                         <a:defRPr/>
                       </a:pPr>
                       <a:r>
-                        <a:rPr lang="en-US" altLang="ko-KR" sz="1400" b="0" strike="sngStrike" smtClean="0">
+                        <a:rPr lang="en-US" altLang="ko-KR" sz="1400" b="0" strike="sngStrike">
                           <a:solidFill>
                             <a:schemeClr val="tx1"/>
                           </a:solidFill>
@@ -8569,7 +8558,7 @@
                         <a:defRPr/>
                       </a:pPr>
                       <a:r>
-                        <a:rPr lang="ko-KR" altLang="en-US" sz="1400" smtClean="0">
+                        <a:rPr lang="ko-KR" altLang="en-US" sz="1400">
                           <a:solidFill>
                             <a:schemeClr val="tx1"/>
                           </a:solidFill>
@@ -8775,7 +8764,7 @@
           <a:p>
             <a:fld id="{B4038AA2-1256-459D-991F-0D30DFD48F35}" type="datetime1">
               <a:rPr lang="ko-KR" altLang="en-US" smtClean="0"/>
-              <a:t>2019-05-21</a:t>
+              <a:t>2019-05-24</a:t>
             </a:fld>
             <a:endParaRPr lang="en-US"/>
           </a:p>
@@ -8803,7 +8792,7 @@
           <a:lstStyle/>
           <a:p>
             <a:r>
-              <a:rPr lang="ko-KR" altLang="en-US" smtClean="0"/>
+              <a:rPr lang="ko-KR" altLang="en-US"/>
               <a:t>지능형 드론 멘토링 과정</a:t>
             </a:r>
             <a:endParaRPr lang="en-US"/>
@@ -8862,42 +8851,36 @@
           <a:lstStyle/>
           <a:p>
             <a:r>
-              <a:rPr lang="ko-KR" altLang="en-US" sz="1600" smtClean="0"/>
+              <a:rPr lang="ko-KR" altLang="en-US" sz="1600" dirty="0"/>
               <a:t>콘트롤러</a:t>
             </a:r>
-            <a:endParaRPr lang="en-US" altLang="ko-KR" sz="1600" smtClean="0"/>
+            <a:endParaRPr lang="en-US" altLang="ko-KR" sz="1600" dirty="0"/>
           </a:p>
           <a:p>
             <a:pPr lvl="1"/>
             <a:r>
-              <a:rPr lang="en-US" sz="1600" smtClean="0"/>
+              <a:rPr lang="en-US" sz="1600" dirty="0"/>
               <a:t>NAVIO2</a:t>
             </a:r>
           </a:p>
           <a:p>
             <a:pPr lvl="2"/>
             <a:r>
-              <a:rPr lang="en-US" sz="1600" smtClean="0">
+              <a:rPr lang="en-US" sz="1600" dirty="0">
                 <a:hlinkClick r:id="rId2"/>
               </a:rPr>
-              <a:t>https</a:t>
-            </a:r>
-            <a:r>
-              <a:rPr lang="en-US" sz="1600">
-                <a:hlinkClick r:id="rId2"/>
-              </a:rPr>
-              <a:t>://emlid.com/navio/</a:t>
-            </a:r>
-            <a:r>
-              <a:rPr lang="en-US" sz="1600" smtClean="0"/>
+              <a:t>https://emlid.com/navio/</a:t>
+            </a:r>
+            <a:r>
+              <a:rPr lang="en-US" sz="1600" dirty="0"/>
               <a:t> </a:t>
             </a:r>
-            <a:endParaRPr lang="en-US" altLang="ko-KR" sz="1600" smtClean="0"/>
+            <a:endParaRPr lang="en-US" altLang="ko-KR" sz="1600" dirty="0"/>
           </a:p>
           <a:p>
             <a:pPr lvl="1"/>
             <a:r>
-              <a:rPr lang="en-US" sz="1600" smtClean="0">
+              <a:rPr lang="en-US" sz="1600" dirty="0">
                 <a:solidFill>
                   <a:schemeClr val="dk1"/>
                 </a:solidFill>
@@ -8908,12 +8891,12 @@
           <a:p>
             <a:pPr lvl="2"/>
             <a:r>
-              <a:rPr lang="en-US" sz="1600" smtClean="0">
+              <a:rPr lang="en-US" sz="1600" dirty="0">
                 <a:hlinkClick r:id="rId3"/>
               </a:rPr>
               <a:t>http://dronewe.com/product/detail.html?product_no=3561&amp;cate_no=512&amp;display_group=1</a:t>
             </a:r>
-            <a:endParaRPr lang="en-US" sz="1600" smtClean="0">
+            <a:endParaRPr lang="en-US" sz="1600" dirty="0">
               <a:solidFill>
                 <a:schemeClr val="dk1"/>
               </a:solidFill>
@@ -8922,142 +8905,98 @@
           <a:p>
             <a:pPr lvl="1"/>
             <a:r>
-              <a:rPr lang="en-US" sz="1600" smtClean="0"/>
+              <a:rPr lang="en-US" sz="1600" dirty="0"/>
               <a:t>Pixhack V5</a:t>
             </a:r>
           </a:p>
           <a:p>
             <a:pPr lvl="2"/>
             <a:r>
-              <a:rPr lang="en-US" sz="1600" smtClean="0">
+              <a:rPr lang="en-US" sz="1600" dirty="0">
                 <a:hlinkClick r:id="rId4"/>
               </a:rPr>
-              <a:t>http</a:t>
-            </a:r>
-            <a:r>
-              <a:rPr lang="en-US" sz="1600">
-                <a:hlinkClick r:id="rId4"/>
-              </a:rPr>
-              <a:t>://</a:t>
-            </a:r>
-            <a:r>
-              <a:rPr lang="en-US" sz="1600" smtClean="0">
-                <a:hlinkClick r:id="rId4"/>
-              </a:rPr>
-              <a:t>dronewe.com/product/detail.html?product_no=4039&amp;cate_no=667&amp;display_group=1</a:t>
-            </a:r>
-            <a:endParaRPr lang="en-US" sz="1600" smtClean="0"/>
-          </a:p>
-          <a:p>
-            <a:r>
-              <a:rPr lang="ko-KR" altLang="en-US" sz="1600" smtClean="0"/>
+              <a:t>http://dronewe.com/product/detail.html?product_no=4039&amp;cate_no=667&amp;display_group=1</a:t>
+            </a:r>
+            <a:endParaRPr lang="en-US" sz="1600" dirty="0"/>
+          </a:p>
+          <a:p>
+            <a:r>
+              <a:rPr lang="ko-KR" altLang="en-US" sz="1600" dirty="0"/>
               <a:t>본체</a:t>
             </a:r>
-            <a:endParaRPr lang="en-US" altLang="ko-KR" sz="1600" smtClean="0"/>
+            <a:endParaRPr lang="en-US" altLang="ko-KR" sz="1600" dirty="0"/>
           </a:p>
           <a:p>
             <a:pPr lvl="1"/>
             <a:r>
-              <a:rPr lang="en-US" altLang="ko-KR" sz="1600" smtClean="0"/>
+              <a:rPr lang="en-US" altLang="ko-KR" sz="1600" dirty="0"/>
               <a:t>JDRC JD ($80)</a:t>
             </a:r>
           </a:p>
           <a:p>
             <a:pPr lvl="2"/>
             <a:r>
-              <a:rPr lang="en-US" sz="1600">
+              <a:rPr lang="en-US" sz="1600" dirty="0">
                 <a:hlinkClick r:id="rId5"/>
               </a:rPr>
               <a:t>https://www.gearbest.com/rc-quadcopters/pp_009531904281.html?wid=1433363</a:t>
             </a:r>
-            <a:endParaRPr lang="en-US" altLang="ko-KR" sz="1600"/>
+            <a:endParaRPr lang="en-US" altLang="ko-KR" sz="1600" dirty="0"/>
           </a:p>
           <a:p>
             <a:pPr lvl="1"/>
             <a:r>
-              <a:rPr lang="en-US" altLang="ko-KR" sz="1600" smtClean="0"/>
-              <a:t>GEPRC </a:t>
-            </a:r>
-            <a:r>
-              <a:rPr lang="en-US" altLang="ko-KR" sz="1600"/>
-              <a:t>Mark2 ($264)</a:t>
+              <a:rPr lang="en-US" altLang="ko-KR" sz="1600" dirty="0"/>
+              <a:t>GEPRC Mark2 ($264)</a:t>
             </a:r>
           </a:p>
           <a:p>
             <a:pPr lvl="2"/>
             <a:r>
-              <a:rPr lang="en-US" sz="1600" smtClean="0">
+              <a:rPr lang="en-US" sz="1600" dirty="0">
                 <a:hlinkClick r:id="rId6"/>
               </a:rPr>
               <a:t>https://www.gearbest.com/brush-fpv-racer/pp_009166157856.html?wid=1433363</a:t>
             </a:r>
-            <a:endParaRPr lang="en-US" sz="1600" smtClean="0"/>
+            <a:endParaRPr lang="en-US" sz="1600" dirty="0"/>
           </a:p>
           <a:p>
             <a:pPr lvl="1"/>
             <a:r>
-              <a:rPr lang="en-US" sz="1600"/>
-              <a:t>GT - </a:t>
-            </a:r>
-            <a:r>
-              <a:rPr lang="en-US" sz="1600"/>
-              <a:t>R530 </a:t>
-            </a:r>
-            <a:r>
-              <a:rPr lang="en-US" sz="1600" smtClean="0"/>
-              <a:t>NX( $243 )</a:t>
+              <a:rPr lang="en-US" sz="1600" dirty="0"/>
+              <a:t>GT - R530 NX( $243 )</a:t>
             </a:r>
           </a:p>
           <a:p>
             <a:pPr lvl="2"/>
             <a:r>
-              <a:rPr lang="en-US" sz="1600">
+              <a:rPr lang="en-US" sz="1600" dirty="0">
                 <a:hlinkClick r:id="rId7"/>
               </a:rPr>
-              <a:t>https</a:t>
-            </a:r>
-            <a:r>
-              <a:rPr lang="en-US" sz="1600">
-                <a:hlinkClick r:id="rId7"/>
-              </a:rPr>
-              <a:t>://</a:t>
-            </a:r>
-            <a:r>
-              <a:rPr lang="en-US" sz="1600" smtClean="0">
-                <a:hlinkClick r:id="rId7"/>
-              </a:rPr>
-              <a:t>www.gearbest.com/brush-fpv-racer/pp_009542172048.html?wid=1433363</a:t>
-            </a:r>
-            <a:endParaRPr lang="en-US" sz="1600" smtClean="0"/>
+              <a:t>https://www.gearbest.com/brush-fpv-racer/pp_009542172048.html?wid=1433363</a:t>
+            </a:r>
+            <a:endParaRPr lang="en-US" sz="1600" dirty="0"/>
           </a:p>
           <a:p>
             <a:pPr lvl="1"/>
             <a:r>
-              <a:rPr lang="en-US" sz="1600"/>
-              <a:t>Aurora RC </a:t>
-            </a:r>
-            <a:r>
-              <a:rPr lang="en-US" sz="1600"/>
-              <a:t>Mini </a:t>
-            </a:r>
-            <a:r>
-              <a:rPr lang="en-US" sz="1600" smtClean="0"/>
-              <a:t>Fight ($ 137)</a:t>
+              <a:rPr lang="en-US" sz="1600" dirty="0"/>
+              <a:t>Aurora RC Mini Fight ($ 137)</a:t>
             </a:r>
           </a:p>
           <a:p>
             <a:pPr lvl="2"/>
             <a:r>
-              <a:rPr lang="en-US" sz="1600">
+              <a:rPr lang="en-US" sz="1600" dirty="0">
                 <a:hlinkClick r:id="rId8"/>
               </a:rPr>
               <a:t>https://www.gearbest.com/brushless-fpv-racer/pp_1156927.html?wid=1433363</a:t>
             </a:r>
-            <a:endParaRPr lang="en-US" sz="1600"/>
+            <a:endParaRPr lang="en-US" sz="1600" dirty="0"/>
           </a:p>
           <a:p>
             <a:pPr marL="285750" indent="-285750"/>
-            <a:endParaRPr lang="en-US" sz="1600"/>
+            <a:endParaRPr lang="en-US" sz="1600" dirty="0"/>
           </a:p>
         </p:txBody>
       </p:sp>
@@ -9075,6 +9014,187 @@
 </file>
 
 <file path=ppt/slides/slide7.xml><?xml version="1.0" encoding="utf-8"?>
+<p:sld xmlns:a="http://schemas.openxmlformats.org/drawingml/2006/main" xmlns:r="http://schemas.openxmlformats.org/officeDocument/2006/relationships" xmlns:p="http://schemas.openxmlformats.org/presentationml/2006/main">
+  <p:cSld>
+    <p:spTree>
+      <p:nvGrpSpPr>
+        <p:cNvPr id="1" name=""/>
+        <p:cNvGrpSpPr/>
+        <p:nvPr/>
+      </p:nvGrpSpPr>
+      <p:grpSpPr>
+        <a:xfrm>
+          <a:off x="0" y="0"/>
+          <a:ext cx="0" cy="0"/>
+          <a:chOff x="0" y="0"/>
+          <a:chExt cx="0" cy="0"/>
+        </a:xfrm>
+      </p:grpSpPr>
+      <p:sp>
+        <p:nvSpPr>
+          <p:cNvPr id="2" name="Title 1">
+            <a:extLst>
+              <a:ext uri="{FF2B5EF4-FFF2-40B4-BE49-F238E27FC236}">
+                <a16:creationId xmlns:a16="http://schemas.microsoft.com/office/drawing/2014/main" id="{229C51E3-B425-4C2C-B905-9609D7B8323E}"/>
+              </a:ext>
+            </a:extLst>
+          </p:cNvPr>
+          <p:cNvSpPr>
+            <a:spLocks noGrp="1"/>
+          </p:cNvSpPr>
+          <p:nvPr>
+            <p:ph type="title"/>
+          </p:nvPr>
+        </p:nvSpPr>
+        <p:spPr/>
+        <p:txBody>
+          <a:bodyPr/>
+          <a:lstStyle/>
+          <a:p>
+            <a:r>
+              <a:rPr lang="en-US" dirty="0"/>
+              <a:t>NAVIO2 </a:t>
+            </a:r>
+            <a:r>
+              <a:rPr lang="ko-KR" altLang="en-US" dirty="0"/>
+              <a:t>드론 조립 예</a:t>
+            </a:r>
+            <a:endParaRPr lang="en-US" dirty="0"/>
+          </a:p>
+        </p:txBody>
+      </p:sp>
+      <p:sp>
+        <p:nvSpPr>
+          <p:cNvPr id="3" name="Content Placeholder 2">
+            <a:extLst>
+              <a:ext uri="{FF2B5EF4-FFF2-40B4-BE49-F238E27FC236}">
+                <a16:creationId xmlns:a16="http://schemas.microsoft.com/office/drawing/2014/main" id="{66E5504E-E33C-4655-A759-1A5FBCF80BA7}"/>
+              </a:ext>
+            </a:extLst>
+          </p:cNvPr>
+          <p:cNvSpPr>
+            <a:spLocks noGrp="1"/>
+          </p:cNvSpPr>
+          <p:nvPr>
+            <p:ph idx="1"/>
+          </p:nvPr>
+        </p:nvSpPr>
+        <p:spPr/>
+        <p:txBody>
+          <a:bodyPr/>
+          <a:lstStyle/>
+          <a:p>
+            <a:r>
+              <a:rPr lang="en-US">
+                <a:hlinkClick r:id="rId2"/>
+              </a:rPr>
+              <a:t>https://community.emlid.com/t/first-build-quadcopter-autonomous-drone-rpi-3-b-navio2/12597</a:t>
+            </a:r>
+            <a:endParaRPr lang="en-US"/>
+          </a:p>
+        </p:txBody>
+      </p:sp>
+      <p:sp>
+        <p:nvSpPr>
+          <p:cNvPr id="4" name="Date Placeholder 3">
+            <a:extLst>
+              <a:ext uri="{FF2B5EF4-FFF2-40B4-BE49-F238E27FC236}">
+                <a16:creationId xmlns:a16="http://schemas.microsoft.com/office/drawing/2014/main" id="{7BA06275-939F-4ED8-A23B-9CB2EA8FC234}"/>
+              </a:ext>
+            </a:extLst>
+          </p:cNvPr>
+          <p:cNvSpPr>
+            <a:spLocks noGrp="1"/>
+          </p:cNvSpPr>
+          <p:nvPr>
+            <p:ph type="dt" sz="half" idx="10"/>
+          </p:nvPr>
+        </p:nvSpPr>
+        <p:spPr/>
+        <p:txBody>
+          <a:bodyPr/>
+          <a:lstStyle/>
+          <a:p>
+            <a:fld id="{527E0480-429E-4360-A658-D3E92B35B1A3}" type="datetime1">
+              <a:rPr lang="ko-KR" altLang="en-US" smtClean="0"/>
+              <a:t>2019-05-24</a:t>
+            </a:fld>
+            <a:endParaRPr lang="en-US"/>
+          </a:p>
+        </p:txBody>
+      </p:sp>
+      <p:sp>
+        <p:nvSpPr>
+          <p:cNvPr id="5" name="Footer Placeholder 4">
+            <a:extLst>
+              <a:ext uri="{FF2B5EF4-FFF2-40B4-BE49-F238E27FC236}">
+                <a16:creationId xmlns:a16="http://schemas.microsoft.com/office/drawing/2014/main" id="{2A0F44ED-185B-4C59-BB8D-A5ACDC165AD2}"/>
+              </a:ext>
+            </a:extLst>
+          </p:cNvPr>
+          <p:cNvSpPr>
+            <a:spLocks noGrp="1"/>
+          </p:cNvSpPr>
+          <p:nvPr>
+            <p:ph type="ftr" sz="quarter" idx="11"/>
+          </p:nvPr>
+        </p:nvSpPr>
+        <p:spPr/>
+        <p:txBody>
+          <a:bodyPr/>
+          <a:lstStyle/>
+          <a:p>
+            <a:r>
+              <a:rPr lang="ko-KR" altLang="en-US"/>
+              <a:t>지능형 드론 멘토링 과정</a:t>
+            </a:r>
+            <a:endParaRPr lang="en-US"/>
+          </a:p>
+        </p:txBody>
+      </p:sp>
+      <p:sp>
+        <p:nvSpPr>
+          <p:cNvPr id="6" name="Slide Number Placeholder 5">
+            <a:extLst>
+              <a:ext uri="{FF2B5EF4-FFF2-40B4-BE49-F238E27FC236}">
+                <a16:creationId xmlns:a16="http://schemas.microsoft.com/office/drawing/2014/main" id="{F1D002A5-7C16-4781-8E88-485B6FEE2D1A}"/>
+              </a:ext>
+            </a:extLst>
+          </p:cNvPr>
+          <p:cNvSpPr>
+            <a:spLocks noGrp="1"/>
+          </p:cNvSpPr>
+          <p:nvPr>
+            <p:ph type="sldNum" sz="quarter" idx="12"/>
+          </p:nvPr>
+        </p:nvSpPr>
+        <p:spPr/>
+        <p:txBody>
+          <a:bodyPr/>
+          <a:lstStyle/>
+          <a:p>
+            <a:fld id="{AA0EB1BB-D2B3-481B-A5E1-F093F8D3CD29}" type="slidenum">
+              <a:rPr lang="en-US" smtClean="0"/>
+              <a:t>7</a:t>
+            </a:fld>
+            <a:endParaRPr lang="en-US"/>
+          </a:p>
+        </p:txBody>
+      </p:sp>
+    </p:spTree>
+    <p:extLst>
+      <p:ext uri="{BB962C8B-B14F-4D97-AF65-F5344CB8AC3E}">
+        <p14:creationId xmlns:p14="http://schemas.microsoft.com/office/powerpoint/2010/main" val="527054873"/>
+      </p:ext>
+    </p:extLst>
+  </p:cSld>
+  <p:clrMapOvr>
+    <a:masterClrMapping/>
+  </p:clrMapOvr>
+</p:sld>
+</file>
+
+<file path=ppt/slides/slide8.xml><?xml version="1.0" encoding="utf-8"?>
 <p:sld xmlns:a="http://schemas.openxmlformats.org/drawingml/2006/main" xmlns:r="http://schemas.openxmlformats.org/officeDocument/2006/relationships" xmlns:p="http://schemas.openxmlformats.org/presentationml/2006/main">
   <p:cSld>
     <p:spTree>
@@ -9141,7 +9261,7 @@
           <a:p>
             <a:fld id="{AA0EB1BB-D2B3-481B-A5E1-F093F8D3CD29}" type="slidenum">
               <a:rPr lang="en-US" smtClean="0"/>
-              <a:t>7</a:t>
+              <a:t>8</a:t>
             </a:fld>
             <a:endParaRPr lang="en-US"/>
           </a:p>
@@ -9164,7 +9284,7 @@
           <a:p>
             <a:fld id="{EEDA0AA7-E746-4B7A-943A-54B64FD32F66}" type="datetime1">
               <a:rPr lang="ko-KR" altLang="en-US" smtClean="0"/>
-              <a:t>2019-05-21</a:t>
+              <a:t>2019-05-24</a:t>
             </a:fld>
             <a:endParaRPr lang="en-US"/>
           </a:p>
@@ -9186,7 +9306,7 @@
           <a:lstStyle/>
           <a:p>
             <a:r>
-              <a:rPr lang="ko-KR" altLang="en-US" smtClean="0"/>
+              <a:rPr lang="ko-KR" altLang="en-US"/>
               <a:t>지능형 드론 멘토링 과정</a:t>
             </a:r>
             <a:endParaRPr lang="en-US"/>

--- a/120 구매/107 지능형 드론 멘토링 HW 구매 목록 19년 5월 V1.0.pptx
+++ b/120 구매/107 지능형 드론 멘토링 HW 구매 목록 19년 5월 V1.0.pptx
@@ -5,7 +5,7 @@
     <p:sldMasterId id="2147483660" r:id="rId1"/>
   </p:sldMasterIdLst>
   <p:notesMasterIdLst>
-    <p:notesMasterId r:id="rId10"/>
+    <p:notesMasterId r:id="rId11"/>
   </p:notesMasterIdLst>
   <p:sldIdLst>
     <p:sldId id="256" r:id="rId2"/>
@@ -13,9 +13,10 @@
     <p:sldId id="658" r:id="rId4"/>
     <p:sldId id="657" r:id="rId5"/>
     <p:sldId id="659" r:id="rId6"/>
-    <p:sldId id="651" r:id="rId7"/>
-    <p:sldId id="660" r:id="rId8"/>
-    <p:sldId id="259" r:id="rId9"/>
+    <p:sldId id="661" r:id="rId7"/>
+    <p:sldId id="651" r:id="rId8"/>
+    <p:sldId id="660" r:id="rId9"/>
+    <p:sldId id="259" r:id="rId10"/>
   </p:sldIdLst>
   <p:sldSz cx="9906000" cy="6858000" type="A4"/>
   <p:notesSz cx="6858000" cy="9144000"/>
@@ -934,7 +935,7 @@
           <a:p>
             <a:fld id="{60456C2F-1F67-44A5-80B0-9C3A6CA33C82}" type="datetimeFigureOut">
               <a:rPr lang="en-US" smtClean="0"/>
-              <a:t>5/24/2019</a:t>
+              <a:t>5/29/2019</a:t>
             </a:fld>
             <a:endParaRPr lang="en-US"/>
           </a:p>
@@ -1333,7 +1334,7 @@
           <a:p>
             <a:fld id="{3F7D6236-5F20-45BD-B0E0-2B1BC4294A4C}" type="datetime1">
               <a:rPr lang="ko-KR" altLang="en-US" smtClean="0"/>
-              <a:t>2019-05-24</a:t>
+              <a:t>2019-05-29</a:t>
             </a:fld>
             <a:endParaRPr lang="en-US"/>
           </a:p>
@@ -1507,7 +1508,7 @@
           <a:p>
             <a:fld id="{527E0480-429E-4360-A658-D3E92B35B1A3}" type="datetime1">
               <a:rPr lang="ko-KR" altLang="en-US" smtClean="0"/>
-              <a:t>2019-05-24</a:t>
+              <a:t>2019-05-29</a:t>
             </a:fld>
             <a:endParaRPr lang="en-US"/>
           </a:p>
@@ -1798,7 +1799,7 @@
           <a:p>
             <a:fld id="{2268F6EB-C392-491F-8B25-0782FEF8E57A}" type="datetime1">
               <a:rPr lang="ko-KR" altLang="en-US" smtClean="0"/>
-              <a:t>2019-05-24</a:t>
+              <a:t>2019-05-29</a:t>
             </a:fld>
             <a:endParaRPr lang="en-US"/>
           </a:p>
@@ -2077,7 +2078,7 @@
           <a:p>
             <a:fld id="{22673DE4-13A4-4D79-B478-CEB33E7C688F}" type="datetime1">
               <a:rPr lang="ko-KR" altLang="en-US" smtClean="0"/>
-              <a:t>2019-05-24</a:t>
+              <a:t>2019-05-29</a:t>
             </a:fld>
             <a:endParaRPr lang="en-US"/>
           </a:p>
@@ -2393,7 +2394,7 @@
           <a:p>
             <a:fld id="{B6EA94F4-BB2B-4D52-A60A-60930175EBF6}" type="datetime1">
               <a:rPr lang="ko-KR" altLang="en-US" smtClean="0"/>
-              <a:t>2019-05-24</a:t>
+              <a:t>2019-05-29</a:t>
             </a:fld>
             <a:endParaRPr lang="en-US"/>
           </a:p>
@@ -2807,7 +2808,7 @@
           <a:p>
             <a:fld id="{E18DF4B8-AFCC-4053-8532-908E41EDB855}" type="datetime1">
               <a:rPr lang="ko-KR" altLang="en-US" smtClean="0"/>
-              <a:t>2019-05-24</a:t>
+              <a:t>2019-05-29</a:t>
             </a:fld>
             <a:endParaRPr lang="en-US"/>
           </a:p>
@@ -2929,7 +2930,7 @@
           <a:p>
             <a:fld id="{4DF0E90D-3B40-4D85-ADC5-1DA24403EC4C}" type="datetime1">
               <a:rPr lang="ko-KR" altLang="en-US" smtClean="0"/>
-              <a:t>2019-05-24</a:t>
+              <a:t>2019-05-29</a:t>
             </a:fld>
             <a:endParaRPr lang="en-US"/>
           </a:p>
@@ -3076,7 +3077,7 @@
           <a:p>
             <a:fld id="{6151AAF9-8D5B-4822-A1A6-775144BEB3CE}" type="datetime1">
               <a:rPr lang="ko-KR" altLang="en-US" smtClean="0"/>
-              <a:t>2019-05-24</a:t>
+              <a:t>2019-05-29</a:t>
             </a:fld>
             <a:endParaRPr lang="en-US"/>
           </a:p>
@@ -3295,7 +3296,7 @@
           <a:p>
             <a:fld id="{9CCF9B79-C01D-4080-BE9C-A3E3B3F0FA2A}" type="datetime1">
               <a:rPr lang="ko-KR" altLang="en-US" smtClean="0"/>
-              <a:t>2019-05-24</a:t>
+              <a:t>2019-05-29</a:t>
             </a:fld>
             <a:endParaRPr lang="en-US"/>
           </a:p>
@@ -3796,7 +3797,7 @@
             </a:pPr>
             <a:r>
               <a:rPr lang="en-US" altLang="ko-KR"/>
-              <a:t>V 1.00</a:t>
+              <a:t>V 1.01</a:t>
             </a:r>
             <a:endParaRPr lang="en-US" altLang="ko-KR" dirty="0"/>
           </a:p>
@@ -3928,7 +3929,7 @@
           <a:p>
             <a:fld id="{B2DB3073-FF86-4509-B2D7-0E3B387E6497}" type="datetime1">
               <a:rPr lang="ko-KR" altLang="en-US" smtClean="0"/>
-              <a:t>2019-05-24</a:t>
+              <a:t>2019-05-29</a:t>
             </a:fld>
             <a:endParaRPr lang="en-US"/>
           </a:p>
@@ -4878,7 +4879,7 @@
           <a:p>
             <a:fld id="{2582632B-B9A8-4EFB-AF98-4CFC1B49373F}" type="datetime1">
               <a:rPr lang="ko-KR" altLang="en-US" smtClean="0"/>
-              <a:t>2019-05-24</a:t>
+              <a:t>2019-05-29</a:t>
             </a:fld>
             <a:endParaRPr lang="en-US"/>
           </a:p>
@@ -5939,7 +5940,7 @@
           <a:p>
             <a:fld id="{2582632B-B9A8-4EFB-AF98-4CFC1B49373F}" type="datetime1">
               <a:rPr lang="ko-KR" altLang="en-US" smtClean="0"/>
-              <a:t>2019-05-24</a:t>
+              <a:t>2019-05-29</a:t>
             </a:fld>
             <a:endParaRPr lang="en-US"/>
           </a:p>
@@ -7246,6 +7247,77 @@
           </a:graphicData>
         </a:graphic>
       </p:graphicFrame>
+      <p:pic>
+        <p:nvPicPr>
+          <p:cNvPr id="1026" name="Picture 2" descr="Image result for navio2"/>
+          <p:cNvPicPr>
+            <a:picLocks noChangeAspect="1" noChangeArrowheads="1"/>
+          </p:cNvPicPr>
+          <p:nvPr/>
+        </p:nvPicPr>
+        <p:blipFill>
+          <a:blip r:embed="rId2">
+            <a:extLst>
+              <a:ext uri="{28A0092B-C50C-407E-A947-70E740481C1C}">
+                <a14:useLocalDpi xmlns:a14="http://schemas.microsoft.com/office/drawing/2010/main" val="0"/>
+              </a:ext>
+            </a:extLst>
+          </a:blip>
+          <a:srcRect/>
+          <a:stretch>
+            <a:fillRect/>
+          </a:stretch>
+        </p:blipFill>
+        <p:spPr bwMode="auto">
+          <a:xfrm rot="5400000">
+            <a:off x="2893209" y="4005431"/>
+            <a:ext cx="1536042" cy="2257982"/>
+          </a:xfrm>
+          <a:prstGeom prst="rect">
+            <a:avLst/>
+          </a:prstGeom>
+          <a:noFill/>
+          <a:extLst>
+            <a:ext uri="{909E8E84-426E-40DD-AFC4-6F175D3DCCD1}">
+              <a14:hiddenFill xmlns:a14="http://schemas.microsoft.com/office/drawing/2010/main">
+                <a:solidFill>
+                  <a:srgbClr val="FFFFFF"/>
+                </a:solidFill>
+              </a14:hiddenFill>
+            </a:ext>
+          </a:extLst>
+        </p:spPr>
+      </p:pic>
+      <p:pic>
+        <p:nvPicPr>
+          <p:cNvPr id="3" name="Picture 2">
+            <a:extLst>
+              <a:ext uri="{FF2B5EF4-FFF2-40B4-BE49-F238E27FC236}">
+                <a16:creationId xmlns:a16="http://schemas.microsoft.com/office/drawing/2014/main" id="{BB7A6B15-B738-4AA9-BAA2-7AB50EA41AFE}"/>
+              </a:ext>
+            </a:extLst>
+          </p:cNvPr>
+          <p:cNvPicPr>
+            <a:picLocks noChangeAspect="1"/>
+          </p:cNvPicPr>
+          <p:nvPr/>
+        </p:nvPicPr>
+        <p:blipFill>
+          <a:blip r:embed="rId3"/>
+          <a:stretch>
+            <a:fillRect/>
+          </a:stretch>
+        </p:blipFill>
+        <p:spPr>
+          <a:xfrm>
+            <a:off x="5231880" y="4241171"/>
+            <a:ext cx="2465875" cy="1786502"/>
+          </a:xfrm>
+          <a:prstGeom prst="rect">
+            <a:avLst/>
+          </a:prstGeom>
+        </p:spPr>
+      </p:pic>
     </p:spTree>
     <p:extLst>
       <p:ext uri="{BB962C8B-B14F-4D97-AF65-F5344CB8AC3E}">
@@ -7340,7 +7412,7 @@
           <a:p>
             <a:fld id="{2582632B-B9A8-4EFB-AF98-4CFC1B49373F}" type="datetime1">
               <a:rPr lang="ko-KR" altLang="en-US" smtClean="0"/>
-              <a:t>2019-05-24</a:t>
+              <a:t>2019-05-29</a:t>
             </a:fld>
             <a:endParaRPr lang="en-US"/>
           </a:p>
@@ -7414,7 +7486,7 @@
             <p:ph idx="1"/>
             <p:extLst>
               <p:ext uri="{D42A27DB-BD31-4B8C-83A1-F6EECF244321}">
-                <p14:modId xmlns:p14="http://schemas.microsoft.com/office/powerpoint/2010/main" val="1208383517"/>
+                <p14:modId xmlns:p14="http://schemas.microsoft.com/office/powerpoint/2010/main" val="3076283262"/>
               </p:ext>
             </p:extLst>
           </p:nvPr>
@@ -7700,12 +7772,12 @@
                     <a:p>
                       <a:pPr algn="r"/>
                       <a:r>
-                        <a:rPr lang="en-US" sz="1400">
+                        <a:rPr lang="en-US" altLang="ko-KR" sz="1400">
                           <a:solidFill>
                             <a:schemeClr val="tx1"/>
                           </a:solidFill>
                         </a:rPr>
-                        <a:t>32</a:t>
+                        <a:t>23</a:t>
                       </a:r>
                       <a:r>
                         <a:rPr lang="ko-KR" altLang="en-US" sz="1400">
@@ -7736,7 +7808,7 @@
                             <a:schemeClr val="tx1"/>
                           </a:solidFill>
                         </a:rPr>
-                        <a:t>0</a:t>
+                        <a:t>1</a:t>
                       </a:r>
                       <a:endParaRPr lang="en-US" sz="1400" dirty="0">
                         <a:solidFill>
@@ -8678,6 +8750,71 @@
           </a:graphicData>
         </a:graphic>
       </p:graphicFrame>
+      <p:pic>
+        <p:nvPicPr>
+          <p:cNvPr id="7" name="그림 6"/>
+          <p:cNvPicPr>
+            <a:picLocks noChangeAspect="1"/>
+          </p:cNvPicPr>
+          <p:nvPr/>
+        </p:nvPicPr>
+        <p:blipFill>
+          <a:blip r:embed="rId2"/>
+          <a:stretch>
+            <a:fillRect/>
+          </a:stretch>
+        </p:blipFill>
+        <p:spPr>
+          <a:xfrm>
+            <a:off x="5301343" y="4257544"/>
+            <a:ext cx="2543629" cy="1883214"/>
+          </a:xfrm>
+          <a:prstGeom prst="rect">
+            <a:avLst/>
+          </a:prstGeom>
+        </p:spPr>
+      </p:pic>
+      <p:pic>
+        <p:nvPicPr>
+          <p:cNvPr id="10" name="Picture 2" descr="Image result for navio2"/>
+          <p:cNvPicPr>
+            <a:picLocks noChangeAspect="1" noChangeArrowheads="1"/>
+          </p:cNvPicPr>
+          <p:nvPr/>
+        </p:nvPicPr>
+        <p:blipFill>
+          <a:blip r:embed="rId3">
+            <a:extLst>
+              <a:ext uri="{28A0092B-C50C-407E-A947-70E740481C1C}">
+                <a14:useLocalDpi xmlns:a14="http://schemas.microsoft.com/office/drawing/2010/main" val="0"/>
+              </a:ext>
+            </a:extLst>
+          </a:blip>
+          <a:srcRect/>
+          <a:stretch>
+            <a:fillRect/>
+          </a:stretch>
+        </p:blipFill>
+        <p:spPr bwMode="auto">
+          <a:xfrm rot="5400000">
+            <a:off x="2595666" y="3896574"/>
+            <a:ext cx="1536042" cy="2257982"/>
+          </a:xfrm>
+          <a:prstGeom prst="rect">
+            <a:avLst/>
+          </a:prstGeom>
+          <a:noFill/>
+          <a:extLst>
+            <a:ext uri="{909E8E84-426E-40DD-AFC4-6F175D3DCCD1}">
+              <a14:hiddenFill xmlns:a14="http://schemas.microsoft.com/office/drawing/2010/main">
+                <a:solidFill>
+                  <a:srgbClr val="FFFFFF"/>
+                </a:solidFill>
+              </a14:hiddenFill>
+            </a:ext>
+          </a:extLst>
+        </p:spPr>
+      </p:pic>
     </p:spTree>
     <p:extLst>
       <p:ext uri="{BB962C8B-B14F-4D97-AF65-F5344CB8AC3E}">
@@ -8730,14 +8867,42 @@
           <a:lstStyle/>
           <a:p>
             <a:r>
-              <a:rPr lang="en-US"/>
+              <a:rPr lang="en-US">
+                <a:solidFill>
+                  <a:schemeClr val="tx2"/>
+                </a:solidFill>
+              </a:rPr>
               <a:t>NAVIO2 </a:t>
             </a:r>
             <a:r>
-              <a:rPr lang="ko-KR" altLang="en-US"/>
-              <a:t>기반 드론 조립</a:t>
-            </a:r>
-            <a:endParaRPr lang="en-US" dirty="0"/>
+              <a:rPr lang="ko-KR" altLang="en-US">
+                <a:solidFill>
+                  <a:schemeClr val="tx2"/>
+                </a:solidFill>
+              </a:rPr>
+              <a:t>기반 드론 조립 </a:t>
+            </a:r>
+            <a:r>
+              <a:rPr lang="en-US" altLang="ko-KR">
+                <a:solidFill>
+                  <a:schemeClr val="tx2"/>
+                </a:solidFill>
+              </a:rPr>
+              <a:t>3</a:t>
+            </a:r>
+            <a:r>
+              <a:rPr lang="ko-KR" altLang="en-US">
+                <a:solidFill>
+                  <a:schemeClr val="tx2"/>
+                </a:solidFill>
+              </a:rPr>
+              <a:t>안</a:t>
+            </a:r>
+            <a:endParaRPr lang="en-US" dirty="0">
+              <a:solidFill>
+                <a:schemeClr val="tx2"/>
+              </a:solidFill>
+            </a:endParaRPr>
           </a:p>
         </p:txBody>
       </p:sp>
@@ -8762,9 +8927,9 @@
           <a:bodyPr/>
           <a:lstStyle/>
           <a:p>
-            <a:fld id="{B4038AA2-1256-459D-991F-0D30DFD48F35}" type="datetime1">
+            <a:fld id="{2582632B-B9A8-4EFB-AF98-4CFC1B49373F}" type="datetime1">
               <a:rPr lang="ko-KR" altLang="en-US" smtClean="0"/>
-              <a:t>2019-05-24</a:t>
+              <a:t>2019-05-29</a:t>
             </a:fld>
             <a:endParaRPr lang="en-US"/>
           </a:p>
@@ -8823,6 +8988,1416 @@
             <a:fld id="{AA0EB1BB-D2B3-481B-A5E1-F093F8D3CD29}" type="slidenum">
               <a:rPr lang="en-US" smtClean="0"/>
               <a:t>6</a:t>
+            </a:fld>
+            <a:endParaRPr lang="en-US"/>
+          </a:p>
+        </p:txBody>
+      </p:sp>
+      <p:graphicFrame>
+        <p:nvGraphicFramePr>
+          <p:cNvPr id="9" name="내용 개체 틀 8"/>
+          <p:cNvGraphicFramePr>
+            <a:graphicFrameLocks noGrp="1"/>
+          </p:cNvGraphicFramePr>
+          <p:nvPr>
+            <p:ph idx="1"/>
+            <p:extLst>
+              <p:ext uri="{D42A27DB-BD31-4B8C-83A1-F6EECF244321}">
+                <p14:modId xmlns:p14="http://schemas.microsoft.com/office/powerpoint/2010/main" val="987040391"/>
+              </p:ext>
+            </p:extLst>
+          </p:nvPr>
+        </p:nvGraphicFramePr>
+        <p:xfrm>
+          <a:off x="681038" y="1255713"/>
+          <a:ext cx="8543924" cy="2656780"/>
+        </p:xfrm>
+        <a:graphic>
+          <a:graphicData uri="http://schemas.openxmlformats.org/drawingml/2006/table">
+            <a:tbl>
+              <a:tblPr firstRow="1" bandRow="1">
+                <a:tableStyleId>{F5AB1C69-6EDB-4FF4-983F-18BD219EF322}</a:tableStyleId>
+              </a:tblPr>
+              <a:tblGrid>
+                <a:gridCol w="828980">
+                  <a:extLst>
+                    <a:ext uri="{9D8B030D-6E8A-4147-A177-3AD203B41FA5}">
+                      <a16:colId xmlns:a16="http://schemas.microsoft.com/office/drawing/2014/main" val="627720019"/>
+                    </a:ext>
+                  </a:extLst>
+                </a:gridCol>
+                <a:gridCol w="1497877">
+                  <a:extLst>
+                    <a:ext uri="{9D8B030D-6E8A-4147-A177-3AD203B41FA5}">
+                      <a16:colId xmlns:a16="http://schemas.microsoft.com/office/drawing/2014/main" val="3210897574"/>
+                    </a:ext>
+                  </a:extLst>
+                </a:gridCol>
+                <a:gridCol w="3962400">
+                  <a:extLst>
+                    <a:ext uri="{9D8B030D-6E8A-4147-A177-3AD203B41FA5}">
+                      <a16:colId xmlns:a16="http://schemas.microsoft.com/office/drawing/2014/main" val="278303706"/>
+                    </a:ext>
+                  </a:extLst>
+                </a:gridCol>
+                <a:gridCol w="1379621">
+                  <a:extLst>
+                    <a:ext uri="{9D8B030D-6E8A-4147-A177-3AD203B41FA5}">
+                      <a16:colId xmlns:a16="http://schemas.microsoft.com/office/drawing/2014/main" val="4292283258"/>
+                    </a:ext>
+                  </a:extLst>
+                </a:gridCol>
+                <a:gridCol w="875046">
+                  <a:extLst>
+                    <a:ext uri="{9D8B030D-6E8A-4147-A177-3AD203B41FA5}">
+                      <a16:colId xmlns:a16="http://schemas.microsoft.com/office/drawing/2014/main" val="1731612386"/>
+                    </a:ext>
+                  </a:extLst>
+                </a:gridCol>
+              </a:tblGrid>
+              <a:tr h="523180">
+                <a:tc>
+                  <a:txBody>
+                    <a:bodyPr/>
+                    <a:lstStyle/>
+                    <a:p>
+                      <a:pPr algn="ctr"/>
+                      <a:r>
+                        <a:rPr lang="ko-KR" altLang="en-US" sz="1400" dirty="0"/>
+                        <a:t>구분</a:t>
+                      </a:r>
+                      <a:endParaRPr lang="en-US" sz="1400" dirty="0"/>
+                    </a:p>
+                  </a:txBody>
+                  <a:tcPr anchor="ctr"/>
+                </a:tc>
+                <a:tc>
+                  <a:txBody>
+                    <a:bodyPr/>
+                    <a:lstStyle/>
+                    <a:p>
+                      <a:pPr algn="ctr"/>
+                      <a:r>
+                        <a:rPr lang="ko-KR" altLang="en-US" sz="1400"/>
+                        <a:t>제품</a:t>
+                      </a:r>
+                      <a:endParaRPr lang="en-US" sz="1400" dirty="0"/>
+                    </a:p>
+                  </a:txBody>
+                  <a:tcPr anchor="ctr"/>
+                </a:tc>
+                <a:tc>
+                  <a:txBody>
+                    <a:bodyPr/>
+                    <a:lstStyle/>
+                    <a:p>
+                      <a:pPr algn="ctr"/>
+                      <a:r>
+                        <a:rPr lang="ko-KR" altLang="en-US" sz="1400" dirty="0"/>
+                        <a:t>모델</a:t>
+                      </a:r>
+                      <a:r>
+                        <a:rPr lang="en-US" altLang="ko-KR" sz="1400" dirty="0"/>
+                        <a:t>/</a:t>
+                      </a:r>
+                      <a:r>
+                        <a:rPr lang="ko-KR" altLang="en-US" sz="1400" dirty="0"/>
+                        <a:t>스펙</a:t>
+                      </a:r>
+                      <a:endParaRPr lang="en-US" sz="1400" dirty="0"/>
+                    </a:p>
+                  </a:txBody>
+                  <a:tcPr anchor="ctr"/>
+                </a:tc>
+                <a:tc>
+                  <a:txBody>
+                    <a:bodyPr/>
+                    <a:lstStyle/>
+                    <a:p>
+                      <a:pPr algn="ctr"/>
+                      <a:r>
+                        <a:rPr lang="ko-KR" altLang="en-US" sz="1400" dirty="0"/>
+                        <a:t>가격</a:t>
+                      </a:r>
+                      <a:endParaRPr lang="en-US" sz="1400" dirty="0"/>
+                    </a:p>
+                  </a:txBody>
+                  <a:tcPr anchor="ctr"/>
+                </a:tc>
+                <a:tc>
+                  <a:txBody>
+                    <a:bodyPr/>
+                    <a:lstStyle/>
+                    <a:p>
+                      <a:pPr marL="0" marR="0" lvl="0" indent="0" algn="ctr" defTabSz="914400" rtl="0" eaLnBrk="1" fontAlgn="auto" latinLnBrk="0" hangingPunct="1">
+                        <a:lnSpc>
+                          <a:spcPct val="100000"/>
+                        </a:lnSpc>
+                        <a:spcBef>
+                          <a:spcPts val="0"/>
+                        </a:spcBef>
+                        <a:spcAft>
+                          <a:spcPts val="0"/>
+                        </a:spcAft>
+                        <a:buClrTx/>
+                        <a:buSzTx/>
+                        <a:buFontTx/>
+                        <a:buNone/>
+                        <a:tabLst/>
+                        <a:defRPr/>
+                      </a:pPr>
+                      <a:r>
+                        <a:rPr lang="ko-KR" altLang="en-US" sz="1400" dirty="0"/>
+                        <a:t>수량</a:t>
+                      </a:r>
+                      <a:endParaRPr lang="en-US" sz="1400" dirty="0"/>
+                    </a:p>
+                  </a:txBody>
+                  <a:tcPr anchor="ctr"/>
+                </a:tc>
+                <a:extLst>
+                  <a:ext uri="{0D108BD9-81ED-4DB2-BD59-A6C34878D82A}">
+                    <a16:rowId xmlns:a16="http://schemas.microsoft.com/office/drawing/2014/main" val="2623708668"/>
+                  </a:ext>
+                </a:extLst>
+              </a:tr>
+              <a:tr h="298960">
+                <a:tc>
+                  <a:txBody>
+                    <a:bodyPr/>
+                    <a:lstStyle/>
+                    <a:p>
+                      <a:pPr algn="ctr"/>
+                      <a:endParaRPr lang="en-US" sz="1400" dirty="0">
+                        <a:solidFill>
+                          <a:schemeClr val="tx1"/>
+                        </a:solidFill>
+                      </a:endParaRPr>
+                    </a:p>
+                  </a:txBody>
+                  <a:tcPr anchor="ctr"/>
+                </a:tc>
+                <a:tc>
+                  <a:txBody>
+                    <a:bodyPr/>
+                    <a:lstStyle/>
+                    <a:p>
+                      <a:pPr marL="0" marR="0" lvl="0" indent="0" algn="ctr" defTabSz="914400" rtl="0" eaLnBrk="1" fontAlgn="base" latinLnBrk="0" hangingPunct="1">
+                        <a:lnSpc>
+                          <a:spcPct val="100000"/>
+                        </a:lnSpc>
+                        <a:spcBef>
+                          <a:spcPts val="0"/>
+                        </a:spcBef>
+                        <a:spcAft>
+                          <a:spcPts val="0"/>
+                        </a:spcAft>
+                        <a:buClrTx/>
+                        <a:buSzTx/>
+                        <a:buFontTx/>
+                        <a:buNone/>
+                        <a:tabLst/>
+                        <a:defRPr/>
+                      </a:pPr>
+                      <a:r>
+                        <a:rPr lang="ko-KR" altLang="en-US" sz="1400"/>
+                        <a:t>모터</a:t>
+                      </a:r>
+                      <a:r>
+                        <a:rPr lang="en-US" altLang="ko-KR" sz="1400"/>
+                        <a:t>/</a:t>
+                      </a:r>
+                      <a:r>
+                        <a:rPr lang="ko-KR" altLang="en-US" sz="1400"/>
+                        <a:t>센서</a:t>
+                      </a:r>
+                      <a:r>
+                        <a:rPr lang="en-US" altLang="ko-KR" sz="1400"/>
+                        <a:t>/</a:t>
+                      </a:r>
+                      <a:r>
+                        <a:rPr lang="ko-KR" altLang="en-US" sz="1400"/>
+                        <a:t>본체</a:t>
+                      </a:r>
+                      <a:endParaRPr lang="en-US" sz="1400">
+                        <a:solidFill>
+                          <a:schemeClr val="tx1"/>
+                        </a:solidFill>
+                      </a:endParaRPr>
+                    </a:p>
+                  </a:txBody>
+                  <a:tcPr anchor="ctr"/>
+                </a:tc>
+                <a:tc>
+                  <a:txBody>
+                    <a:bodyPr/>
+                    <a:lstStyle/>
+                    <a:p>
+                      <a:pPr marL="0" marR="0" lvl="0" indent="0" algn="ctr" defTabSz="914400" rtl="0" eaLnBrk="1" fontAlgn="auto" latinLnBrk="0" hangingPunct="1">
+                        <a:lnSpc>
+                          <a:spcPct val="100000"/>
+                        </a:lnSpc>
+                        <a:spcBef>
+                          <a:spcPts val="0"/>
+                        </a:spcBef>
+                        <a:spcAft>
+                          <a:spcPts val="0"/>
+                        </a:spcAft>
+                        <a:buClrTx/>
+                        <a:buSzTx/>
+                        <a:buFontTx/>
+                        <a:buNone/>
+                        <a:tabLst/>
+                        <a:defRPr/>
+                      </a:pPr>
+                      <a:r>
+                        <a:rPr lang="en-US" altLang="ko-KR" sz="1400"/>
+                        <a:t>GEPRC Mark2</a:t>
+                      </a:r>
+                      <a:endParaRPr lang="en-US" sz="1400">
+                        <a:solidFill>
+                          <a:schemeClr val="tx1"/>
+                        </a:solidFill>
+                      </a:endParaRPr>
+                    </a:p>
+                  </a:txBody>
+                  <a:tcPr anchor="ctr"/>
+                </a:tc>
+                <a:tc>
+                  <a:txBody>
+                    <a:bodyPr/>
+                    <a:lstStyle/>
+                    <a:p>
+                      <a:pPr algn="r"/>
+                      <a:r>
+                        <a:rPr lang="en-US" altLang="ko-KR" sz="1400"/>
+                        <a:t>32</a:t>
+                      </a:r>
+                      <a:r>
+                        <a:rPr lang="ko-KR" altLang="en-US" sz="1400"/>
+                        <a:t>만원</a:t>
+                      </a:r>
+                      <a:endParaRPr lang="en-US" sz="1400">
+                        <a:solidFill>
+                          <a:schemeClr val="tx1"/>
+                        </a:solidFill>
+                      </a:endParaRPr>
+                    </a:p>
+                  </a:txBody>
+                  <a:tcPr anchor="ctr"/>
+                </a:tc>
+                <a:tc>
+                  <a:txBody>
+                    <a:bodyPr/>
+                    <a:lstStyle/>
+                    <a:p>
+                      <a:pPr algn="ctr"/>
+                      <a:r>
+                        <a:rPr lang="en-US" sz="1400">
+                          <a:solidFill>
+                            <a:schemeClr val="dk1"/>
+                          </a:solidFill>
+                        </a:rPr>
+                        <a:t>1</a:t>
+                      </a:r>
+                      <a:endParaRPr lang="en-US" sz="1400" dirty="0">
+                        <a:solidFill>
+                          <a:schemeClr val="tx1"/>
+                        </a:solidFill>
+                      </a:endParaRPr>
+                    </a:p>
+                  </a:txBody>
+                  <a:tcPr anchor="ctr"/>
+                </a:tc>
+                <a:extLst>
+                  <a:ext uri="{0D108BD9-81ED-4DB2-BD59-A6C34878D82A}">
+                    <a16:rowId xmlns:a16="http://schemas.microsoft.com/office/drawing/2014/main" val="2403726952"/>
+                  </a:ext>
+                </a:extLst>
+              </a:tr>
+              <a:tr h="298960">
+                <a:tc>
+                  <a:txBody>
+                    <a:bodyPr/>
+                    <a:lstStyle/>
+                    <a:p>
+                      <a:pPr algn="ctr"/>
+                      <a:endParaRPr lang="en-US" sz="1400" dirty="0">
+                        <a:solidFill>
+                          <a:schemeClr val="tx1"/>
+                        </a:solidFill>
+                      </a:endParaRPr>
+                    </a:p>
+                  </a:txBody>
+                  <a:tcPr anchor="ctr"/>
+                </a:tc>
+                <a:tc>
+                  <a:txBody>
+                    <a:bodyPr/>
+                    <a:lstStyle/>
+                    <a:p>
+                      <a:pPr algn="ctr" fontAlgn="base"/>
+                      <a:r>
+                        <a:rPr lang="ko-KR" altLang="en-US" sz="1400" kern="1200">
+                          <a:effectLst/>
+                        </a:rPr>
+                        <a:t>컴퓨터</a:t>
+                      </a:r>
+                      <a:endParaRPr lang="en-US" sz="1400" b="0" i="0" kern="1200" dirty="0">
+                        <a:solidFill>
+                          <a:schemeClr val="tx1"/>
+                        </a:solidFill>
+                        <a:effectLst/>
+                        <a:latin typeface="+mn-lt"/>
+                        <a:ea typeface="+mn-ea"/>
+                        <a:cs typeface="+mn-cs"/>
+                      </a:endParaRPr>
+                    </a:p>
+                  </a:txBody>
+                  <a:tcPr anchor="ctr"/>
+                </a:tc>
+                <a:tc>
+                  <a:txBody>
+                    <a:bodyPr/>
+                    <a:lstStyle/>
+                    <a:p>
+                      <a:pPr marL="0" marR="0" lvl="0" indent="0" algn="ctr" defTabSz="914400" rtl="0" eaLnBrk="1" fontAlgn="auto" latinLnBrk="0" hangingPunct="1">
+                        <a:lnSpc>
+                          <a:spcPct val="100000"/>
+                        </a:lnSpc>
+                        <a:spcBef>
+                          <a:spcPts val="0"/>
+                        </a:spcBef>
+                        <a:spcAft>
+                          <a:spcPts val="0"/>
+                        </a:spcAft>
+                        <a:buClrTx/>
+                        <a:buSzTx/>
+                        <a:buFontTx/>
+                        <a:buNone/>
+                        <a:tabLst/>
+                        <a:defRPr/>
+                      </a:pPr>
+                      <a:r>
+                        <a:rPr lang="en-US" sz="1400"/>
+                        <a:t>RASPBERRY</a:t>
+                      </a:r>
+                      <a:r>
+                        <a:rPr lang="en-US" sz="1400" baseline="0"/>
+                        <a:t> PI B+</a:t>
+                      </a:r>
+                      <a:endParaRPr lang="en-US" sz="1400" dirty="0">
+                        <a:solidFill>
+                          <a:schemeClr val="tx1"/>
+                        </a:solidFill>
+                      </a:endParaRPr>
+                    </a:p>
+                  </a:txBody>
+                  <a:tcPr anchor="ctr"/>
+                </a:tc>
+                <a:tc>
+                  <a:txBody>
+                    <a:bodyPr/>
+                    <a:lstStyle/>
+                    <a:p>
+                      <a:pPr algn="r"/>
+                      <a:r>
+                        <a:rPr lang="en-US" sz="1400"/>
+                        <a:t>5</a:t>
+                      </a:r>
+                      <a:r>
+                        <a:rPr lang="en-US" sz="1400" baseline="0"/>
+                        <a:t> </a:t>
+                      </a:r>
+                      <a:r>
+                        <a:rPr lang="ko-KR" altLang="en-US" sz="1400" baseline="0"/>
+                        <a:t>만원</a:t>
+                      </a:r>
+                      <a:endParaRPr lang="en-US" sz="1400">
+                        <a:solidFill>
+                          <a:schemeClr val="tx1"/>
+                        </a:solidFill>
+                      </a:endParaRPr>
+                    </a:p>
+                  </a:txBody>
+                  <a:tcPr anchor="ctr"/>
+                </a:tc>
+                <a:tc>
+                  <a:txBody>
+                    <a:bodyPr/>
+                    <a:lstStyle/>
+                    <a:p>
+                      <a:pPr algn="ctr"/>
+                      <a:r>
+                        <a:rPr lang="en-US" sz="1400"/>
+                        <a:t>1</a:t>
+                      </a:r>
+                      <a:endParaRPr lang="en-US" sz="1400" dirty="0">
+                        <a:solidFill>
+                          <a:schemeClr val="tx1"/>
+                        </a:solidFill>
+                      </a:endParaRPr>
+                    </a:p>
+                  </a:txBody>
+                  <a:tcPr anchor="ctr"/>
+                </a:tc>
+                <a:extLst>
+                  <a:ext uri="{0D108BD9-81ED-4DB2-BD59-A6C34878D82A}">
+                    <a16:rowId xmlns:a16="http://schemas.microsoft.com/office/drawing/2014/main" val="4253513823"/>
+                  </a:ext>
+                </a:extLst>
+              </a:tr>
+              <a:tr h="298960">
+                <a:tc>
+                  <a:txBody>
+                    <a:bodyPr/>
+                    <a:lstStyle/>
+                    <a:p>
+                      <a:pPr algn="ctr"/>
+                      <a:endParaRPr lang="en-US" sz="1400" dirty="0">
+                        <a:solidFill>
+                          <a:schemeClr val="tx1"/>
+                        </a:solidFill>
+                      </a:endParaRPr>
+                    </a:p>
+                  </a:txBody>
+                  <a:tcPr anchor="ctr"/>
+                </a:tc>
+                <a:tc>
+                  <a:txBody>
+                    <a:bodyPr/>
+                    <a:lstStyle/>
+                    <a:p>
+                      <a:pPr algn="ctr" fontAlgn="base"/>
+                      <a:r>
+                        <a:rPr lang="ko-KR" altLang="en-US" sz="1400" kern="1200">
+                          <a:effectLst/>
+                        </a:rPr>
+                        <a:t>콘트롤러</a:t>
+                      </a:r>
+                      <a:endParaRPr lang="en-US" sz="1400" b="0" i="0" kern="1200" dirty="0">
+                        <a:solidFill>
+                          <a:schemeClr val="tx1"/>
+                        </a:solidFill>
+                        <a:effectLst/>
+                        <a:latin typeface="+mn-lt"/>
+                        <a:ea typeface="+mn-ea"/>
+                        <a:cs typeface="+mn-cs"/>
+                      </a:endParaRPr>
+                    </a:p>
+                  </a:txBody>
+                  <a:tcPr anchor="ctr"/>
+                </a:tc>
+                <a:tc>
+                  <a:txBody>
+                    <a:bodyPr/>
+                    <a:lstStyle/>
+                    <a:p>
+                      <a:pPr marL="0" marR="0" lvl="0" indent="0" algn="ctr" defTabSz="914400" rtl="0" eaLnBrk="1" fontAlgn="auto" latinLnBrk="0" hangingPunct="1">
+                        <a:lnSpc>
+                          <a:spcPct val="100000"/>
+                        </a:lnSpc>
+                        <a:spcBef>
+                          <a:spcPts val="0"/>
+                        </a:spcBef>
+                        <a:spcAft>
+                          <a:spcPts val="0"/>
+                        </a:spcAft>
+                        <a:buClrTx/>
+                        <a:buSzTx/>
+                        <a:buFontTx/>
+                        <a:buNone/>
+                        <a:tabLst/>
+                        <a:defRPr/>
+                      </a:pPr>
+                      <a:r>
+                        <a:rPr lang="en-US" sz="1400"/>
+                        <a:t>NAVIO2</a:t>
+                      </a:r>
+                      <a:endParaRPr lang="en-US" sz="1400" dirty="0">
+                        <a:solidFill>
+                          <a:schemeClr val="tx1"/>
+                        </a:solidFill>
+                      </a:endParaRPr>
+                    </a:p>
+                  </a:txBody>
+                  <a:tcPr anchor="ctr"/>
+                </a:tc>
+                <a:tc>
+                  <a:txBody>
+                    <a:bodyPr/>
+                    <a:lstStyle/>
+                    <a:p>
+                      <a:pPr algn="r"/>
+                      <a:r>
+                        <a:rPr lang="en-US" sz="1400"/>
+                        <a:t>20 </a:t>
+                      </a:r>
+                      <a:r>
+                        <a:rPr lang="ko-KR" altLang="en-US" sz="1400"/>
+                        <a:t>만원</a:t>
+                      </a:r>
+                      <a:endParaRPr lang="en-US" sz="1400" dirty="0">
+                        <a:solidFill>
+                          <a:schemeClr val="tx1"/>
+                        </a:solidFill>
+                      </a:endParaRPr>
+                    </a:p>
+                  </a:txBody>
+                  <a:tcPr anchor="ctr"/>
+                </a:tc>
+                <a:tc>
+                  <a:txBody>
+                    <a:bodyPr/>
+                    <a:lstStyle/>
+                    <a:p>
+                      <a:pPr algn="ctr"/>
+                      <a:r>
+                        <a:rPr lang="en-US" sz="1400"/>
+                        <a:t>1</a:t>
+                      </a:r>
+                      <a:endParaRPr lang="en-US" sz="1400" dirty="0">
+                        <a:solidFill>
+                          <a:schemeClr val="tx1"/>
+                        </a:solidFill>
+                      </a:endParaRPr>
+                    </a:p>
+                  </a:txBody>
+                  <a:tcPr anchor="ctr"/>
+                </a:tc>
+                <a:extLst>
+                  <a:ext uri="{0D108BD9-81ED-4DB2-BD59-A6C34878D82A}">
+                    <a16:rowId xmlns:a16="http://schemas.microsoft.com/office/drawing/2014/main" val="10114847"/>
+                  </a:ext>
+                </a:extLst>
+              </a:tr>
+              <a:tr h="298960">
+                <a:tc>
+                  <a:txBody>
+                    <a:bodyPr/>
+                    <a:lstStyle/>
+                    <a:p>
+                      <a:pPr marL="0" marR="0" lvl="0" indent="0" algn="ctr" defTabSz="914400" rtl="0" eaLnBrk="1" fontAlgn="auto" latinLnBrk="0" hangingPunct="1">
+                        <a:lnSpc>
+                          <a:spcPct val="100000"/>
+                        </a:lnSpc>
+                        <a:spcBef>
+                          <a:spcPts val="0"/>
+                        </a:spcBef>
+                        <a:spcAft>
+                          <a:spcPts val="0"/>
+                        </a:spcAft>
+                        <a:buClrTx/>
+                        <a:buSzTx/>
+                        <a:buFontTx/>
+                        <a:buNone/>
+                        <a:tabLst/>
+                        <a:defRPr/>
+                      </a:pPr>
+                      <a:endParaRPr lang="en-US" sz="1400" strike="sngStrike" dirty="0">
+                        <a:solidFill>
+                          <a:schemeClr val="tx1"/>
+                        </a:solidFill>
+                      </a:endParaRPr>
+                    </a:p>
+                  </a:txBody>
+                  <a:tcPr anchor="ctr"/>
+                </a:tc>
+                <a:tc>
+                  <a:txBody>
+                    <a:bodyPr/>
+                    <a:lstStyle/>
+                    <a:p>
+                      <a:pPr algn="ctr">
+                        <a:defRPr/>
+                      </a:pPr>
+                      <a:endParaRPr lang="en-US" altLang="ko-KR" sz="1400" b="0" strike="sngStrike" dirty="0">
+                        <a:solidFill>
+                          <a:schemeClr val="tx1"/>
+                        </a:solidFill>
+                        <a:latin typeface="맑은 고딕" panose="020B0503020000020004" pitchFamily="50" charset="-127"/>
+                        <a:ea typeface="맑은 고딕" panose="020B0503020000020004" pitchFamily="50" charset="-127"/>
+                        <a:cs typeface="Calibri"/>
+                      </a:endParaRPr>
+                    </a:p>
+                  </a:txBody>
+                  <a:tcPr anchor="ctr"/>
+                </a:tc>
+                <a:tc>
+                  <a:txBody>
+                    <a:bodyPr/>
+                    <a:lstStyle/>
+                    <a:p>
+                      <a:pPr marL="0" marR="0" lvl="0" indent="0" algn="ctr" defTabSz="914400" rtl="0" eaLnBrk="1" fontAlgn="auto" latinLnBrk="0" hangingPunct="1">
+                        <a:lnSpc>
+                          <a:spcPct val="100000"/>
+                        </a:lnSpc>
+                        <a:spcBef>
+                          <a:spcPts val="0"/>
+                        </a:spcBef>
+                        <a:spcAft>
+                          <a:spcPts val="0"/>
+                        </a:spcAft>
+                        <a:buClrTx/>
+                        <a:buSzTx/>
+                        <a:buFontTx/>
+                        <a:buNone/>
+                        <a:tabLst/>
+                        <a:defRPr/>
+                      </a:pPr>
+                      <a:r>
+                        <a:rPr lang="en-US" sz="1400" strike="sngStrike"/>
+                        <a:t>Pixhawk 4 </a:t>
+                      </a:r>
+                      <a:endParaRPr lang="en-US" sz="1400" strike="sngStrike">
+                        <a:solidFill>
+                          <a:schemeClr val="dk1"/>
+                        </a:solidFill>
+                      </a:endParaRPr>
+                    </a:p>
+                  </a:txBody>
+                  <a:tcPr anchor="ctr"/>
+                </a:tc>
+                <a:tc>
+                  <a:txBody>
+                    <a:bodyPr/>
+                    <a:lstStyle/>
+                    <a:p>
+                      <a:pPr algn="r">
+                        <a:defRPr/>
+                      </a:pPr>
+                      <a:r>
+                        <a:rPr lang="en-US" altLang="ko-KR" sz="1400" strike="sngStrike"/>
+                        <a:t>36 </a:t>
+                      </a:r>
+                      <a:r>
+                        <a:rPr lang="ko-KR" altLang="en-US" sz="1400" strike="sngStrike"/>
+                        <a:t>만원</a:t>
+                      </a:r>
+                      <a:endParaRPr lang="ko-KR" altLang="en-US" sz="1400" b="0" strike="sngStrike" dirty="0">
+                        <a:solidFill>
+                          <a:schemeClr val="tx1"/>
+                        </a:solidFill>
+                        <a:latin typeface="맑은 고딕" panose="020B0503020000020004" pitchFamily="50" charset="-127"/>
+                        <a:ea typeface="맑은 고딕" panose="020B0503020000020004" pitchFamily="50" charset="-127"/>
+                        <a:cs typeface="Calibri"/>
+                      </a:endParaRPr>
+                    </a:p>
+                  </a:txBody>
+                  <a:tcPr anchor="ctr"/>
+                </a:tc>
+                <a:tc>
+                  <a:txBody>
+                    <a:bodyPr/>
+                    <a:lstStyle/>
+                    <a:p>
+                      <a:pPr algn="ctr">
+                        <a:defRPr/>
+                      </a:pPr>
+                      <a:r>
+                        <a:rPr lang="en-US" altLang="ko-KR" sz="1400" strike="sngStrike"/>
+                        <a:t>0</a:t>
+                      </a:r>
+                      <a:endParaRPr lang="en-US" altLang="ko-KR" sz="1400" b="0" strike="sngStrike" dirty="0">
+                        <a:solidFill>
+                          <a:schemeClr val="tx1"/>
+                        </a:solidFill>
+                        <a:latin typeface="맑은 고딕" panose="020B0503020000020004" pitchFamily="50" charset="-127"/>
+                        <a:ea typeface="맑은 고딕" panose="020B0503020000020004" pitchFamily="50" charset="-127"/>
+                        <a:cs typeface="Calibri"/>
+                      </a:endParaRPr>
+                    </a:p>
+                  </a:txBody>
+                  <a:tcPr anchor="ctr"/>
+                </a:tc>
+                <a:extLst>
+                  <a:ext uri="{0D108BD9-81ED-4DB2-BD59-A6C34878D82A}">
+                    <a16:rowId xmlns:a16="http://schemas.microsoft.com/office/drawing/2014/main" val="3623687800"/>
+                  </a:ext>
+                </a:extLst>
+              </a:tr>
+              <a:tr h="298960">
+                <a:tc>
+                  <a:txBody>
+                    <a:bodyPr/>
+                    <a:lstStyle/>
+                    <a:p>
+                      <a:pPr marL="0" marR="0" lvl="0" indent="0" algn="ctr" defTabSz="914400" rtl="0" eaLnBrk="1" fontAlgn="auto" latinLnBrk="0" hangingPunct="1">
+                        <a:lnSpc>
+                          <a:spcPct val="100000"/>
+                        </a:lnSpc>
+                        <a:spcBef>
+                          <a:spcPts val="0"/>
+                        </a:spcBef>
+                        <a:spcAft>
+                          <a:spcPts val="0"/>
+                        </a:spcAft>
+                        <a:buClrTx/>
+                        <a:buSzTx/>
+                        <a:buFontTx/>
+                        <a:buNone/>
+                        <a:tabLst/>
+                        <a:defRPr/>
+                      </a:pPr>
+                      <a:endParaRPr lang="en-US" sz="1400" strike="sngStrike" dirty="0">
+                        <a:solidFill>
+                          <a:schemeClr val="tx1"/>
+                        </a:solidFill>
+                      </a:endParaRPr>
+                    </a:p>
+                  </a:txBody>
+                  <a:tcPr anchor="ctr"/>
+                </a:tc>
+                <a:tc>
+                  <a:txBody>
+                    <a:bodyPr/>
+                    <a:lstStyle/>
+                    <a:p>
+                      <a:pPr algn="ctr">
+                        <a:defRPr/>
+                      </a:pPr>
+                      <a:endParaRPr lang="en-US" altLang="ko-KR" sz="1400" b="0" strike="sngStrike" dirty="0">
+                        <a:solidFill>
+                          <a:schemeClr val="tx1"/>
+                        </a:solidFill>
+                        <a:latin typeface="맑은 고딕" panose="020B0503020000020004" pitchFamily="50" charset="-127"/>
+                        <a:ea typeface="맑은 고딕" panose="020B0503020000020004" pitchFamily="50" charset="-127"/>
+                        <a:cs typeface="Calibri"/>
+                      </a:endParaRPr>
+                    </a:p>
+                  </a:txBody>
+                  <a:tcPr anchor="ctr"/>
+                </a:tc>
+                <a:tc>
+                  <a:txBody>
+                    <a:bodyPr/>
+                    <a:lstStyle/>
+                    <a:p>
+                      <a:pPr marL="0" marR="0" lvl="0" indent="0" algn="ctr" defTabSz="914400" rtl="0" eaLnBrk="1" fontAlgn="auto" latinLnBrk="0" hangingPunct="1">
+                        <a:lnSpc>
+                          <a:spcPct val="100000"/>
+                        </a:lnSpc>
+                        <a:spcBef>
+                          <a:spcPts val="0"/>
+                        </a:spcBef>
+                        <a:spcAft>
+                          <a:spcPts val="0"/>
+                        </a:spcAft>
+                        <a:buClrTx/>
+                        <a:buSzTx/>
+                        <a:buFontTx/>
+                        <a:buNone/>
+                        <a:tabLst/>
+                        <a:defRPr/>
+                      </a:pPr>
+                      <a:r>
+                        <a:rPr lang="en-US" altLang="ko-KR" sz="1400" strike="sngStrike"/>
+                        <a:t>Pixhack V5</a:t>
+                      </a:r>
+                      <a:endParaRPr lang="en-US" altLang="ko-KR" sz="1400" b="0" strike="sngStrike" dirty="0">
+                        <a:solidFill>
+                          <a:schemeClr val="tx1"/>
+                        </a:solidFill>
+                        <a:latin typeface="맑은 고딕" panose="020B0503020000020004" pitchFamily="50" charset="-127"/>
+                        <a:ea typeface="맑은 고딕" panose="020B0503020000020004" pitchFamily="50" charset="-127"/>
+                        <a:cs typeface="Calibri"/>
+                      </a:endParaRPr>
+                    </a:p>
+                  </a:txBody>
+                  <a:tcPr anchor="ctr"/>
+                </a:tc>
+                <a:tc>
+                  <a:txBody>
+                    <a:bodyPr/>
+                    <a:lstStyle/>
+                    <a:p>
+                      <a:pPr algn="r">
+                        <a:defRPr/>
+                      </a:pPr>
+                      <a:r>
+                        <a:rPr lang="en-US" altLang="ko-KR" sz="1400" strike="sngStrike"/>
+                        <a:t>80 </a:t>
+                      </a:r>
+                      <a:r>
+                        <a:rPr lang="ko-KR" altLang="en-US" sz="1400" strike="sngStrike"/>
+                        <a:t>만원</a:t>
+                      </a:r>
+                      <a:endParaRPr lang="ko-KR" altLang="en-US" sz="1400" b="0" strike="sngStrike" dirty="0">
+                        <a:solidFill>
+                          <a:schemeClr val="tx1"/>
+                        </a:solidFill>
+                        <a:latin typeface="맑은 고딕" panose="020B0503020000020004" pitchFamily="50" charset="-127"/>
+                        <a:ea typeface="맑은 고딕" panose="020B0503020000020004" pitchFamily="50" charset="-127"/>
+                        <a:cs typeface="Calibri"/>
+                      </a:endParaRPr>
+                    </a:p>
+                  </a:txBody>
+                  <a:tcPr anchor="ctr"/>
+                </a:tc>
+                <a:tc>
+                  <a:txBody>
+                    <a:bodyPr/>
+                    <a:lstStyle/>
+                    <a:p>
+                      <a:pPr algn="ctr">
+                        <a:defRPr/>
+                      </a:pPr>
+                      <a:r>
+                        <a:rPr lang="en-US" altLang="ko-KR" sz="1400" strike="sngStrike"/>
+                        <a:t>0</a:t>
+                      </a:r>
+                      <a:endParaRPr lang="en-US" altLang="ko-KR" sz="1400" b="0" strike="sngStrike" dirty="0">
+                        <a:solidFill>
+                          <a:schemeClr val="tx1"/>
+                        </a:solidFill>
+                        <a:latin typeface="맑은 고딕" panose="020B0503020000020004" pitchFamily="50" charset="-127"/>
+                        <a:ea typeface="맑은 고딕" panose="020B0503020000020004" pitchFamily="50" charset="-127"/>
+                        <a:cs typeface="Calibri"/>
+                      </a:endParaRPr>
+                    </a:p>
+                  </a:txBody>
+                  <a:tcPr anchor="ctr"/>
+                </a:tc>
+                <a:extLst>
+                  <a:ext uri="{0D108BD9-81ED-4DB2-BD59-A6C34878D82A}">
+                    <a16:rowId xmlns:a16="http://schemas.microsoft.com/office/drawing/2014/main" val="147985616"/>
+                  </a:ext>
+                </a:extLst>
+              </a:tr>
+              <a:tr h="298960">
+                <a:tc>
+                  <a:txBody>
+                    <a:bodyPr/>
+                    <a:lstStyle/>
+                    <a:p>
+                      <a:pPr marL="0" marR="0" lvl="0" indent="0" algn="ctr" defTabSz="914400" rtl="0" eaLnBrk="1" fontAlgn="auto" latinLnBrk="0" hangingPunct="1">
+                        <a:lnSpc>
+                          <a:spcPct val="100000"/>
+                        </a:lnSpc>
+                        <a:spcBef>
+                          <a:spcPts val="0"/>
+                        </a:spcBef>
+                        <a:spcAft>
+                          <a:spcPts val="0"/>
+                        </a:spcAft>
+                        <a:buClrTx/>
+                        <a:buSzTx/>
+                        <a:buFontTx/>
+                        <a:buNone/>
+                        <a:tabLst/>
+                        <a:defRPr/>
+                      </a:pPr>
+                      <a:endParaRPr lang="en-US" sz="1400" dirty="0">
+                        <a:solidFill>
+                          <a:schemeClr val="tx1"/>
+                        </a:solidFill>
+                      </a:endParaRPr>
+                    </a:p>
+                  </a:txBody>
+                  <a:tcPr anchor="ctr"/>
+                </a:tc>
+                <a:tc>
+                  <a:txBody>
+                    <a:bodyPr/>
+                    <a:lstStyle/>
+                    <a:p>
+                      <a:pPr algn="ctr">
+                        <a:defRPr/>
+                      </a:pPr>
+                      <a:endParaRPr lang="en-US" altLang="ko-KR" sz="1400" b="0" dirty="0">
+                        <a:solidFill>
+                          <a:schemeClr val="tx1"/>
+                        </a:solidFill>
+                        <a:latin typeface="맑은 고딕" panose="020B0503020000020004" pitchFamily="50" charset="-127"/>
+                        <a:ea typeface="맑은 고딕" panose="020B0503020000020004" pitchFamily="50" charset="-127"/>
+                        <a:cs typeface="Calibri"/>
+                      </a:endParaRPr>
+                    </a:p>
+                  </a:txBody>
+                  <a:tcPr anchor="ctr"/>
+                </a:tc>
+                <a:tc>
+                  <a:txBody>
+                    <a:bodyPr/>
+                    <a:lstStyle/>
+                    <a:p>
+                      <a:pPr marL="0" marR="0" lvl="0" indent="0" algn="ctr" defTabSz="914400" rtl="0" eaLnBrk="1" fontAlgn="auto" latinLnBrk="0" hangingPunct="1">
+                        <a:lnSpc>
+                          <a:spcPct val="100000"/>
+                        </a:lnSpc>
+                        <a:spcBef>
+                          <a:spcPts val="0"/>
+                        </a:spcBef>
+                        <a:spcAft>
+                          <a:spcPts val="0"/>
+                        </a:spcAft>
+                        <a:buClrTx/>
+                        <a:buSzTx/>
+                        <a:buFontTx/>
+                        <a:buNone/>
+                        <a:tabLst/>
+                        <a:defRPr/>
+                      </a:pPr>
+                      <a:endParaRPr lang="en-US" altLang="ko-KR" sz="1400" b="0" dirty="0">
+                        <a:solidFill>
+                          <a:schemeClr val="tx1"/>
+                        </a:solidFill>
+                        <a:latin typeface="맑은 고딕" panose="020B0503020000020004" pitchFamily="50" charset="-127"/>
+                        <a:ea typeface="맑은 고딕" panose="020B0503020000020004" pitchFamily="50" charset="-127"/>
+                        <a:cs typeface="Calibri"/>
+                      </a:endParaRPr>
+                    </a:p>
+                  </a:txBody>
+                  <a:tcPr anchor="ctr"/>
+                </a:tc>
+                <a:tc>
+                  <a:txBody>
+                    <a:bodyPr/>
+                    <a:lstStyle/>
+                    <a:p>
+                      <a:pPr algn="r">
+                        <a:defRPr/>
+                      </a:pPr>
+                      <a:endParaRPr lang="ko-KR" altLang="en-US" sz="1400" b="0" dirty="0">
+                        <a:solidFill>
+                          <a:schemeClr val="tx1"/>
+                        </a:solidFill>
+                        <a:latin typeface="맑은 고딕" panose="020B0503020000020004" pitchFamily="50" charset="-127"/>
+                        <a:ea typeface="맑은 고딕" panose="020B0503020000020004" pitchFamily="50" charset="-127"/>
+                        <a:cs typeface="Calibri"/>
+                      </a:endParaRPr>
+                    </a:p>
+                  </a:txBody>
+                  <a:tcPr anchor="ctr"/>
+                </a:tc>
+                <a:tc>
+                  <a:txBody>
+                    <a:bodyPr/>
+                    <a:lstStyle/>
+                    <a:p>
+                      <a:pPr algn="ctr">
+                        <a:defRPr/>
+                      </a:pPr>
+                      <a:endParaRPr lang="en-US" altLang="ko-KR" sz="1400" b="0" dirty="0">
+                        <a:solidFill>
+                          <a:schemeClr val="tx1"/>
+                        </a:solidFill>
+                        <a:latin typeface="맑은 고딕" panose="020B0503020000020004" pitchFamily="50" charset="-127"/>
+                        <a:ea typeface="맑은 고딕" panose="020B0503020000020004" pitchFamily="50" charset="-127"/>
+                        <a:cs typeface="Calibri"/>
+                      </a:endParaRPr>
+                    </a:p>
+                  </a:txBody>
+                  <a:tcPr anchor="ctr"/>
+                </a:tc>
+                <a:extLst>
+                  <a:ext uri="{0D108BD9-81ED-4DB2-BD59-A6C34878D82A}">
+                    <a16:rowId xmlns:a16="http://schemas.microsoft.com/office/drawing/2014/main" val="1112764957"/>
+                  </a:ext>
+                </a:extLst>
+              </a:tr>
+              <a:tr h="298960">
+                <a:tc>
+                  <a:txBody>
+                    <a:bodyPr/>
+                    <a:lstStyle/>
+                    <a:p>
+                      <a:pPr marL="0" marR="0" lvl="0" indent="0" algn="ctr" defTabSz="914400" rtl="0" eaLnBrk="1" fontAlgn="auto" latinLnBrk="0" hangingPunct="1">
+                        <a:lnSpc>
+                          <a:spcPct val="100000"/>
+                        </a:lnSpc>
+                        <a:spcBef>
+                          <a:spcPts val="0"/>
+                        </a:spcBef>
+                        <a:spcAft>
+                          <a:spcPts val="0"/>
+                        </a:spcAft>
+                        <a:buClrTx/>
+                        <a:buSzTx/>
+                        <a:buFontTx/>
+                        <a:buNone/>
+                        <a:tabLst/>
+                        <a:defRPr/>
+                      </a:pPr>
+                      <a:r>
+                        <a:rPr lang="ko-KR" altLang="en-US" sz="1400"/>
+                        <a:t>계</a:t>
+                      </a:r>
+                      <a:endParaRPr lang="en-US" sz="1400" dirty="0">
+                        <a:solidFill>
+                          <a:schemeClr val="tx1"/>
+                        </a:solidFill>
+                      </a:endParaRPr>
+                    </a:p>
+                  </a:txBody>
+                  <a:tcPr anchor="ctr"/>
+                </a:tc>
+                <a:tc>
+                  <a:txBody>
+                    <a:bodyPr/>
+                    <a:lstStyle/>
+                    <a:p>
+                      <a:pPr algn="ctr">
+                        <a:defRPr/>
+                      </a:pPr>
+                      <a:endParaRPr lang="en-US" altLang="ko-KR" sz="1400" b="0" dirty="0">
+                        <a:solidFill>
+                          <a:schemeClr val="tx1"/>
+                        </a:solidFill>
+                        <a:latin typeface="맑은 고딕" panose="020B0503020000020004" pitchFamily="50" charset="-127"/>
+                        <a:ea typeface="맑은 고딕" panose="020B0503020000020004" pitchFamily="50" charset="-127"/>
+                        <a:cs typeface="Calibri"/>
+                      </a:endParaRPr>
+                    </a:p>
+                  </a:txBody>
+                  <a:tcPr anchor="ctr"/>
+                </a:tc>
+                <a:tc>
+                  <a:txBody>
+                    <a:bodyPr/>
+                    <a:lstStyle/>
+                    <a:p>
+                      <a:pPr marL="0" marR="0" lvl="0" indent="0" algn="ctr" defTabSz="914400" rtl="0" eaLnBrk="1" fontAlgn="auto" latinLnBrk="0" hangingPunct="1">
+                        <a:lnSpc>
+                          <a:spcPct val="100000"/>
+                        </a:lnSpc>
+                        <a:spcBef>
+                          <a:spcPts val="0"/>
+                        </a:spcBef>
+                        <a:spcAft>
+                          <a:spcPts val="0"/>
+                        </a:spcAft>
+                        <a:buClrTx/>
+                        <a:buSzTx/>
+                        <a:buFontTx/>
+                        <a:buNone/>
+                        <a:tabLst/>
+                        <a:defRPr/>
+                      </a:pPr>
+                      <a:endParaRPr lang="en-US" altLang="ko-KR" sz="1400" b="0" dirty="0">
+                        <a:solidFill>
+                          <a:schemeClr val="tx1"/>
+                        </a:solidFill>
+                        <a:latin typeface="맑은 고딕" panose="020B0503020000020004" pitchFamily="50" charset="-127"/>
+                        <a:ea typeface="맑은 고딕" panose="020B0503020000020004" pitchFamily="50" charset="-127"/>
+                        <a:cs typeface="Calibri"/>
+                      </a:endParaRPr>
+                    </a:p>
+                  </a:txBody>
+                  <a:tcPr anchor="ctr"/>
+                </a:tc>
+                <a:tc>
+                  <a:txBody>
+                    <a:bodyPr/>
+                    <a:lstStyle/>
+                    <a:p>
+                      <a:pPr algn="r">
+                        <a:defRPr/>
+                      </a:pPr>
+                      <a:endParaRPr lang="ko-KR" altLang="en-US" sz="1400" b="0" dirty="0">
+                        <a:solidFill>
+                          <a:schemeClr val="tx1"/>
+                        </a:solidFill>
+                        <a:latin typeface="맑은 고딕" panose="020B0503020000020004" pitchFamily="50" charset="-127"/>
+                        <a:ea typeface="맑은 고딕" panose="020B0503020000020004" pitchFamily="50" charset="-127"/>
+                        <a:cs typeface="Calibri"/>
+                      </a:endParaRPr>
+                    </a:p>
+                  </a:txBody>
+                  <a:tcPr anchor="ctr"/>
+                </a:tc>
+                <a:tc>
+                  <a:txBody>
+                    <a:bodyPr/>
+                    <a:lstStyle/>
+                    <a:p>
+                      <a:pPr algn="ctr">
+                        <a:defRPr/>
+                      </a:pPr>
+                      <a:endParaRPr lang="en-US" altLang="ko-KR" sz="1400" b="0" dirty="0">
+                        <a:solidFill>
+                          <a:schemeClr val="tx1"/>
+                        </a:solidFill>
+                        <a:latin typeface="맑은 고딕" panose="020B0503020000020004" pitchFamily="50" charset="-127"/>
+                        <a:ea typeface="맑은 고딕" panose="020B0503020000020004" pitchFamily="50" charset="-127"/>
+                        <a:cs typeface="Calibri"/>
+                      </a:endParaRPr>
+                    </a:p>
+                  </a:txBody>
+                  <a:tcPr anchor="ctr"/>
+                </a:tc>
+                <a:extLst>
+                  <a:ext uri="{0D108BD9-81ED-4DB2-BD59-A6C34878D82A}">
+                    <a16:rowId xmlns:a16="http://schemas.microsoft.com/office/drawing/2014/main" val="4074233295"/>
+                  </a:ext>
+                </a:extLst>
+              </a:tr>
+            </a:tbl>
+          </a:graphicData>
+        </a:graphic>
+      </p:graphicFrame>
+      <p:pic>
+        <p:nvPicPr>
+          <p:cNvPr id="7" name="그림 6"/>
+          <p:cNvPicPr>
+            <a:picLocks noChangeAspect="1"/>
+          </p:cNvPicPr>
+          <p:nvPr/>
+        </p:nvPicPr>
+        <p:blipFill>
+          <a:blip r:embed="rId2"/>
+          <a:stretch>
+            <a:fillRect/>
+          </a:stretch>
+        </p:blipFill>
+        <p:spPr>
+          <a:xfrm>
+            <a:off x="5443991" y="4366401"/>
+            <a:ext cx="2700969" cy="1806136"/>
+          </a:xfrm>
+          <a:prstGeom prst="rect">
+            <a:avLst/>
+          </a:prstGeom>
+        </p:spPr>
+      </p:pic>
+      <p:pic>
+        <p:nvPicPr>
+          <p:cNvPr id="8" name="Picture 2" descr="Image result for navio2"/>
+          <p:cNvPicPr>
+            <a:picLocks noChangeAspect="1" noChangeArrowheads="1"/>
+          </p:cNvPicPr>
+          <p:nvPr/>
+        </p:nvPicPr>
+        <p:blipFill>
+          <a:blip r:embed="rId3">
+            <a:extLst>
+              <a:ext uri="{28A0092B-C50C-407E-A947-70E740481C1C}">
+                <a14:useLocalDpi xmlns:a14="http://schemas.microsoft.com/office/drawing/2010/main" val="0"/>
+              </a:ext>
+            </a:extLst>
+          </a:blip>
+          <a:srcRect/>
+          <a:stretch>
+            <a:fillRect/>
+          </a:stretch>
+        </p:blipFill>
+        <p:spPr bwMode="auto">
+          <a:xfrm rot="5400000">
+            <a:off x="2675495" y="4005431"/>
+            <a:ext cx="1536042" cy="2257982"/>
+          </a:xfrm>
+          <a:prstGeom prst="rect">
+            <a:avLst/>
+          </a:prstGeom>
+          <a:noFill/>
+          <a:extLst>
+            <a:ext uri="{909E8E84-426E-40DD-AFC4-6F175D3DCCD1}">
+              <a14:hiddenFill xmlns:a14="http://schemas.microsoft.com/office/drawing/2010/main">
+                <a:solidFill>
+                  <a:srgbClr val="FFFFFF"/>
+                </a:solidFill>
+              </a14:hiddenFill>
+            </a:ext>
+          </a:extLst>
+        </p:spPr>
+      </p:pic>
+      <p:sp>
+        <p:nvSpPr>
+          <p:cNvPr id="3" name="Flowchart: Summing Junction 2">
+            <a:extLst>
+              <a:ext uri="{FF2B5EF4-FFF2-40B4-BE49-F238E27FC236}">
+                <a16:creationId xmlns:a16="http://schemas.microsoft.com/office/drawing/2014/main" id="{2E1D604C-D1BB-4610-BBAE-A42FC046C223}"/>
+              </a:ext>
+            </a:extLst>
+          </p:cNvPr>
+          <p:cNvSpPr/>
+          <p:nvPr/>
+        </p:nvSpPr>
+        <p:spPr>
+          <a:xfrm>
+            <a:off x="2372351" y="726335"/>
+            <a:ext cx="5271796" cy="4893380"/>
+          </a:xfrm>
+          <a:prstGeom prst="flowChartSummingJunction">
+            <a:avLst/>
+          </a:prstGeom>
+          <a:noFill/>
+          <a:ln w="76200">
+            <a:solidFill>
+              <a:srgbClr val="FF0000"/>
+            </a:solidFill>
+          </a:ln>
+        </p:spPr>
+        <p:style>
+          <a:lnRef idx="2">
+            <a:schemeClr val="accent1">
+              <a:shade val="50000"/>
+            </a:schemeClr>
+          </a:lnRef>
+          <a:fillRef idx="1">
+            <a:schemeClr val="accent1"/>
+          </a:fillRef>
+          <a:effectRef idx="0">
+            <a:schemeClr val="accent1"/>
+          </a:effectRef>
+          <a:fontRef idx="minor">
+            <a:schemeClr val="lt1"/>
+          </a:fontRef>
+        </p:style>
+        <p:txBody>
+          <a:bodyPr rtlCol="0" anchor="ctr"/>
+          <a:lstStyle/>
+          <a:p>
+            <a:pPr algn="ctr"/>
+            <a:endParaRPr lang="en-US"/>
+          </a:p>
+        </p:txBody>
+      </p:sp>
+    </p:spTree>
+    <p:extLst>
+      <p:ext uri="{BB962C8B-B14F-4D97-AF65-F5344CB8AC3E}">
+        <p14:creationId xmlns:p14="http://schemas.microsoft.com/office/powerpoint/2010/main" val="332688042"/>
+      </p:ext>
+    </p:extLst>
+  </p:cSld>
+  <p:clrMapOvr>
+    <a:masterClrMapping/>
+  </p:clrMapOvr>
+</p:sld>
+</file>
+
+<file path=ppt/slides/slide7.xml><?xml version="1.0" encoding="utf-8"?>
+<p:sld xmlns:a="http://schemas.openxmlformats.org/drawingml/2006/main" xmlns:r="http://schemas.openxmlformats.org/officeDocument/2006/relationships" xmlns:p="http://schemas.openxmlformats.org/presentationml/2006/main">
+  <p:cSld>
+    <p:spTree>
+      <p:nvGrpSpPr>
+        <p:cNvPr id="1" name=""/>
+        <p:cNvGrpSpPr/>
+        <p:nvPr/>
+      </p:nvGrpSpPr>
+      <p:grpSpPr>
+        <a:xfrm>
+          <a:off x="0" y="0"/>
+          <a:ext cx="0" cy="0"/>
+          <a:chOff x="0" y="0"/>
+          <a:chExt cx="0" cy="0"/>
+        </a:xfrm>
+      </p:grpSpPr>
+      <p:sp>
+        <p:nvSpPr>
+          <p:cNvPr id="2" name="Title 1">
+            <a:extLst>
+              <a:ext uri="{FF2B5EF4-FFF2-40B4-BE49-F238E27FC236}">
+                <a16:creationId xmlns:a16="http://schemas.microsoft.com/office/drawing/2014/main" id="{6D8A0E0B-D587-4725-9469-61967B3909DE}"/>
+              </a:ext>
+            </a:extLst>
+          </p:cNvPr>
+          <p:cNvSpPr>
+            <a:spLocks noGrp="1"/>
+          </p:cNvSpPr>
+          <p:nvPr>
+            <p:ph type="title"/>
+          </p:nvPr>
+        </p:nvSpPr>
+        <p:spPr/>
+        <p:txBody>
+          <a:bodyPr/>
+          <a:lstStyle/>
+          <a:p>
+            <a:r>
+              <a:rPr lang="en-US"/>
+              <a:t>NAVIO2 </a:t>
+            </a:r>
+            <a:r>
+              <a:rPr lang="ko-KR" altLang="en-US"/>
+              <a:t>기반 드론 조립</a:t>
+            </a:r>
+            <a:endParaRPr lang="en-US" dirty="0"/>
+          </a:p>
+        </p:txBody>
+      </p:sp>
+      <p:sp>
+        <p:nvSpPr>
+          <p:cNvPr id="4" name="Date Placeholder 3">
+            <a:extLst>
+              <a:ext uri="{FF2B5EF4-FFF2-40B4-BE49-F238E27FC236}">
+                <a16:creationId xmlns:a16="http://schemas.microsoft.com/office/drawing/2014/main" id="{B48B1996-AAB1-4170-AE15-4F551A02ACB7}"/>
+              </a:ext>
+            </a:extLst>
+          </p:cNvPr>
+          <p:cNvSpPr>
+            <a:spLocks noGrp="1"/>
+          </p:cNvSpPr>
+          <p:nvPr>
+            <p:ph type="dt" sz="half" idx="10"/>
+          </p:nvPr>
+        </p:nvSpPr>
+        <p:spPr/>
+        <p:txBody>
+          <a:bodyPr/>
+          <a:lstStyle/>
+          <a:p>
+            <a:fld id="{B4038AA2-1256-459D-991F-0D30DFD48F35}" type="datetime1">
+              <a:rPr lang="ko-KR" altLang="en-US" smtClean="0"/>
+              <a:t>2019-05-29</a:t>
+            </a:fld>
+            <a:endParaRPr lang="en-US"/>
+          </a:p>
+        </p:txBody>
+      </p:sp>
+      <p:sp>
+        <p:nvSpPr>
+          <p:cNvPr id="5" name="Footer Placeholder 4">
+            <a:extLst>
+              <a:ext uri="{FF2B5EF4-FFF2-40B4-BE49-F238E27FC236}">
+                <a16:creationId xmlns:a16="http://schemas.microsoft.com/office/drawing/2014/main" id="{E4A3C789-B099-44AF-BF26-0D2753153F34}"/>
+              </a:ext>
+            </a:extLst>
+          </p:cNvPr>
+          <p:cNvSpPr>
+            <a:spLocks noGrp="1"/>
+          </p:cNvSpPr>
+          <p:nvPr>
+            <p:ph type="ftr" sz="quarter" idx="11"/>
+          </p:nvPr>
+        </p:nvSpPr>
+        <p:spPr/>
+        <p:txBody>
+          <a:bodyPr/>
+          <a:lstStyle/>
+          <a:p>
+            <a:r>
+              <a:rPr lang="ko-KR" altLang="en-US"/>
+              <a:t>지능형 드론 멘토링 과정</a:t>
+            </a:r>
+            <a:endParaRPr lang="en-US"/>
+          </a:p>
+        </p:txBody>
+      </p:sp>
+      <p:sp>
+        <p:nvSpPr>
+          <p:cNvPr id="6" name="Slide Number Placeholder 5">
+            <a:extLst>
+              <a:ext uri="{FF2B5EF4-FFF2-40B4-BE49-F238E27FC236}">
+                <a16:creationId xmlns:a16="http://schemas.microsoft.com/office/drawing/2014/main" id="{C31C333A-C5AA-461A-BD0B-EC9245469C7B}"/>
+              </a:ext>
+            </a:extLst>
+          </p:cNvPr>
+          <p:cNvSpPr>
+            <a:spLocks noGrp="1"/>
+          </p:cNvSpPr>
+          <p:nvPr>
+            <p:ph type="sldNum" sz="quarter" idx="12"/>
+          </p:nvPr>
+        </p:nvSpPr>
+        <p:spPr/>
+        <p:txBody>
+          <a:bodyPr/>
+          <a:lstStyle/>
+          <a:p>
+            <a:fld id="{AA0EB1BB-D2B3-481B-A5E1-F093F8D3CD29}" type="slidenum">
+              <a:rPr lang="en-US" smtClean="0"/>
+              <a:t>7</a:t>
             </a:fld>
             <a:endParaRPr lang="en-US"/>
           </a:p>
@@ -9013,7 +10588,7 @@
 </p:sld>
 </file>
 
-<file path=ppt/slides/slide7.xml><?xml version="1.0" encoding="utf-8"?>
+<file path=ppt/slides/slide8.xml><?xml version="1.0" encoding="utf-8"?>
 <p:sld xmlns:a="http://schemas.openxmlformats.org/drawingml/2006/main" xmlns:r="http://schemas.openxmlformats.org/officeDocument/2006/relationships" xmlns:p="http://schemas.openxmlformats.org/presentationml/2006/main">
   <p:cSld>
     <p:spTree>
@@ -9117,7 +10692,7 @@
           <a:p>
             <a:fld id="{527E0480-429E-4360-A658-D3E92B35B1A3}" type="datetime1">
               <a:rPr lang="ko-KR" altLang="en-US" smtClean="0"/>
-              <a:t>2019-05-24</a:t>
+              <a:t>2019-05-29</a:t>
             </a:fld>
             <a:endParaRPr lang="en-US"/>
           </a:p>
@@ -9175,7 +10750,7 @@
           <a:p>
             <a:fld id="{AA0EB1BB-D2B3-481B-A5E1-F093F8D3CD29}" type="slidenum">
               <a:rPr lang="en-US" smtClean="0"/>
-              <a:t>7</a:t>
+              <a:t>8</a:t>
             </a:fld>
             <a:endParaRPr lang="en-US"/>
           </a:p>
@@ -9194,7 +10769,7 @@
 </p:sld>
 </file>
 
-<file path=ppt/slides/slide8.xml><?xml version="1.0" encoding="utf-8"?>
+<file path=ppt/slides/slide9.xml><?xml version="1.0" encoding="utf-8"?>
 <p:sld xmlns:a="http://schemas.openxmlformats.org/drawingml/2006/main" xmlns:r="http://schemas.openxmlformats.org/officeDocument/2006/relationships" xmlns:p="http://schemas.openxmlformats.org/presentationml/2006/main">
   <p:cSld>
     <p:spTree>
@@ -9261,7 +10836,7 @@
           <a:p>
             <a:fld id="{AA0EB1BB-D2B3-481B-A5E1-F093F8D3CD29}" type="slidenum">
               <a:rPr lang="en-US" smtClean="0"/>
-              <a:t>8</a:t>
+              <a:t>9</a:t>
             </a:fld>
             <a:endParaRPr lang="en-US"/>
           </a:p>
@@ -9284,7 +10859,7 @@
           <a:p>
             <a:fld id="{EEDA0AA7-E746-4B7A-943A-54B64FD32F66}" type="datetime1">
               <a:rPr lang="ko-KR" altLang="en-US" smtClean="0"/>
-              <a:t>2019-05-24</a:t>
+              <a:t>2019-05-29</a:t>
             </a:fld>
             <a:endParaRPr lang="en-US"/>
           </a:p>
